--- a/Images/Figures_PPT/Box_Plot_Rictor_All.pptx
+++ b/Images/Figures_PPT/Box_Plot_Rictor_All.pptx
@@ -2298,8 +2298,8 @@
           </p:nvSpPr>
           <p:spPr>
             <a:xfrm>
-              <a:off x="914400" y="914400"/>
-              <a:ext cx="9144000" cy="6400800"/>
+              <a:off x="10058400" y="914400"/>
+              <a:ext cx="0" cy="6400800"/>
             </a:xfrm>
             <a:prstGeom prst="rect">
               <a:avLst/>
@@ -2333,8 +2333,8 @@
           </p:nvSpPr>
           <p:spPr>
             <a:xfrm>
-              <a:off x="1459435" y="1407846"/>
-              <a:ext cx="8529375" cy="5507419"/>
+              <a:off x="1427580" y="1392990"/>
+              <a:ext cx="8561230" cy="5534432"/>
             </a:xfrm>
             <a:prstGeom prst="rect">
               <a:avLst/>
@@ -2359,21 +2359,21 @@
           </p:nvSpPr>
           <p:spPr>
             <a:xfrm>
-              <a:off x="1459435" y="6452479"/>
-              <a:ext cx="8529375" cy="0"/>
-            </a:xfrm>
-            <a:custGeom>
-              <a:avLst/>
-              <a:pathLst>
-                <a:path w="8529375" h="0">
-                  <a:moveTo>
-                    <a:pt x="0" y="0"/>
-                  </a:moveTo>
-                  <a:lnTo>
-                    <a:pt x="8529375" y="0"/>
-                  </a:lnTo>
-                  <a:lnTo>
-                    <a:pt x="8529375" y="0"/>
+              <a:off x="1427580" y="6462365"/>
+              <a:ext cx="8561230" cy="0"/>
+            </a:xfrm>
+            <a:custGeom>
+              <a:avLst/>
+              <a:pathLst>
+                <a:path w="8561230" h="0">
+                  <a:moveTo>
+                    <a:pt x="0" y="0"/>
+                  </a:moveTo>
+                  <a:lnTo>
+                    <a:pt x="8561230" y="0"/>
+                  </a:lnTo>
+                  <a:lnTo>
+                    <a:pt x="8561230" y="0"/>
                   </a:lnTo>
                 </a:path>
               </a:pathLst>
@@ -2402,21 +2402,21 @@
           </p:nvSpPr>
           <p:spPr>
             <a:xfrm>
-              <a:off x="1459435" y="5057843"/>
-              <a:ext cx="8529375" cy="0"/>
-            </a:xfrm>
-            <a:custGeom>
-              <a:avLst/>
-              <a:pathLst>
-                <a:path w="8529375" h="0">
-                  <a:moveTo>
-                    <a:pt x="0" y="0"/>
-                  </a:moveTo>
-                  <a:lnTo>
-                    <a:pt x="8529375" y="0"/>
-                  </a:lnTo>
-                  <a:lnTo>
-                    <a:pt x="8529375" y="0"/>
+              <a:off x="1427580" y="5060888"/>
+              <a:ext cx="8561230" cy="0"/>
+            </a:xfrm>
+            <a:custGeom>
+              <a:avLst/>
+              <a:pathLst>
+                <a:path w="8561230" h="0">
+                  <a:moveTo>
+                    <a:pt x="0" y="0"/>
+                  </a:moveTo>
+                  <a:lnTo>
+                    <a:pt x="8561230" y="0"/>
+                  </a:lnTo>
+                  <a:lnTo>
+                    <a:pt x="8561230" y="0"/>
                   </a:lnTo>
                 </a:path>
               </a:pathLst>
@@ -2445,21 +2445,21 @@
           </p:nvSpPr>
           <p:spPr>
             <a:xfrm>
-              <a:off x="1459435" y="3663206"/>
-              <a:ext cx="8529375" cy="0"/>
-            </a:xfrm>
-            <a:custGeom>
-              <a:avLst/>
-              <a:pathLst>
-                <a:path w="8529375" h="0">
-                  <a:moveTo>
-                    <a:pt x="0" y="0"/>
-                  </a:moveTo>
-                  <a:lnTo>
-                    <a:pt x="8529375" y="0"/>
-                  </a:lnTo>
-                  <a:lnTo>
-                    <a:pt x="8529375" y="0"/>
+              <a:off x="1427580" y="3659411"/>
+              <a:ext cx="8561230" cy="0"/>
+            </a:xfrm>
+            <a:custGeom>
+              <a:avLst/>
+              <a:pathLst>
+                <a:path w="8561230" h="0">
+                  <a:moveTo>
+                    <a:pt x="0" y="0"/>
+                  </a:moveTo>
+                  <a:lnTo>
+                    <a:pt x="8561230" y="0"/>
+                  </a:lnTo>
+                  <a:lnTo>
+                    <a:pt x="8561230" y="0"/>
                   </a:lnTo>
                 </a:path>
               </a:pathLst>
@@ -2488,21 +2488,21 @@
           </p:nvSpPr>
           <p:spPr>
             <a:xfrm>
-              <a:off x="1459435" y="2268569"/>
-              <a:ext cx="8529375" cy="0"/>
-            </a:xfrm>
-            <a:custGeom>
-              <a:avLst/>
-              <a:pathLst>
-                <a:path w="8529375" h="0">
-                  <a:moveTo>
-                    <a:pt x="0" y="0"/>
-                  </a:moveTo>
-                  <a:lnTo>
-                    <a:pt x="8529375" y="0"/>
-                  </a:lnTo>
-                  <a:lnTo>
-                    <a:pt x="8529375" y="0"/>
+              <a:off x="1427580" y="2257934"/>
+              <a:ext cx="8561230" cy="0"/>
+            </a:xfrm>
+            <a:custGeom>
+              <a:avLst/>
+              <a:pathLst>
+                <a:path w="8561230" h="0">
+                  <a:moveTo>
+                    <a:pt x="0" y="0"/>
+                  </a:moveTo>
+                  <a:lnTo>
+                    <a:pt x="8561230" y="0"/>
+                  </a:lnTo>
+                  <a:lnTo>
+                    <a:pt x="8561230" y="0"/>
                   </a:lnTo>
                 </a:path>
               </a:pathLst>
@@ -2531,21 +2531,21 @@
           </p:nvSpPr>
           <p:spPr>
             <a:xfrm>
-              <a:off x="1459435" y="5755161"/>
-              <a:ext cx="8529375" cy="0"/>
-            </a:xfrm>
-            <a:custGeom>
-              <a:avLst/>
-              <a:pathLst>
-                <a:path w="8529375" h="0">
-                  <a:moveTo>
-                    <a:pt x="0" y="0"/>
-                  </a:moveTo>
-                  <a:lnTo>
-                    <a:pt x="8529375" y="0"/>
-                  </a:lnTo>
-                  <a:lnTo>
-                    <a:pt x="8529375" y="0"/>
+              <a:off x="1427580" y="5761626"/>
+              <a:ext cx="8561230" cy="0"/>
+            </a:xfrm>
+            <a:custGeom>
+              <a:avLst/>
+              <a:pathLst>
+                <a:path w="8561230" h="0">
+                  <a:moveTo>
+                    <a:pt x="0" y="0"/>
+                  </a:moveTo>
+                  <a:lnTo>
+                    <a:pt x="8561230" y="0"/>
+                  </a:lnTo>
+                  <a:lnTo>
+                    <a:pt x="8561230" y="0"/>
                   </a:lnTo>
                 </a:path>
               </a:pathLst>
@@ -2574,21 +2574,21 @@
           </p:nvSpPr>
           <p:spPr>
             <a:xfrm>
-              <a:off x="1459435" y="4360524"/>
-              <a:ext cx="8529375" cy="0"/>
-            </a:xfrm>
-            <a:custGeom>
-              <a:avLst/>
-              <a:pathLst>
-                <a:path w="8529375" h="0">
-                  <a:moveTo>
-                    <a:pt x="0" y="0"/>
-                  </a:moveTo>
-                  <a:lnTo>
-                    <a:pt x="8529375" y="0"/>
-                  </a:lnTo>
-                  <a:lnTo>
-                    <a:pt x="8529375" y="0"/>
+              <a:off x="1427580" y="4360150"/>
+              <a:ext cx="8561230" cy="0"/>
+            </a:xfrm>
+            <a:custGeom>
+              <a:avLst/>
+              <a:pathLst>
+                <a:path w="8561230" h="0">
+                  <a:moveTo>
+                    <a:pt x="0" y="0"/>
+                  </a:moveTo>
+                  <a:lnTo>
+                    <a:pt x="8561230" y="0"/>
+                  </a:lnTo>
+                  <a:lnTo>
+                    <a:pt x="8561230" y="0"/>
                   </a:lnTo>
                 </a:path>
               </a:pathLst>
@@ -2617,21 +2617,21 @@
           </p:nvSpPr>
           <p:spPr>
             <a:xfrm>
-              <a:off x="1459435" y="2965888"/>
-              <a:ext cx="8529375" cy="0"/>
-            </a:xfrm>
-            <a:custGeom>
-              <a:avLst/>
-              <a:pathLst>
-                <a:path w="8529375" h="0">
-                  <a:moveTo>
-                    <a:pt x="0" y="0"/>
-                  </a:moveTo>
-                  <a:lnTo>
-                    <a:pt x="8529375" y="0"/>
-                  </a:lnTo>
-                  <a:lnTo>
-                    <a:pt x="8529375" y="0"/>
+              <a:off x="1427580" y="2958673"/>
+              <a:ext cx="8561230" cy="0"/>
+            </a:xfrm>
+            <a:custGeom>
+              <a:avLst/>
+              <a:pathLst>
+                <a:path w="8561230" h="0">
+                  <a:moveTo>
+                    <a:pt x="0" y="0"/>
+                  </a:moveTo>
+                  <a:lnTo>
+                    <a:pt x="8561230" y="0"/>
+                  </a:lnTo>
+                  <a:lnTo>
+                    <a:pt x="8561230" y="0"/>
                   </a:lnTo>
                 </a:path>
               </a:pathLst>
@@ -2660,21 +2660,21 @@
           </p:nvSpPr>
           <p:spPr>
             <a:xfrm>
-              <a:off x="1459435" y="1571251"/>
-              <a:ext cx="8529375" cy="0"/>
-            </a:xfrm>
-            <a:custGeom>
-              <a:avLst/>
-              <a:pathLst>
-                <a:path w="8529375" h="0">
-                  <a:moveTo>
-                    <a:pt x="0" y="0"/>
-                  </a:moveTo>
-                  <a:lnTo>
-                    <a:pt x="8529375" y="0"/>
-                  </a:lnTo>
-                  <a:lnTo>
-                    <a:pt x="8529375" y="0"/>
+              <a:off x="1427580" y="1557196"/>
+              <a:ext cx="8561230" cy="0"/>
+            </a:xfrm>
+            <a:custGeom>
+              <a:avLst/>
+              <a:pathLst>
+                <a:path w="8561230" h="0">
+                  <a:moveTo>
+                    <a:pt x="0" y="0"/>
+                  </a:moveTo>
+                  <a:lnTo>
+                    <a:pt x="8561230" y="0"/>
+                  </a:lnTo>
+                  <a:lnTo>
+                    <a:pt x="8561230" y="0"/>
                   </a:lnTo>
                 </a:path>
               </a:pathLst>
@@ -2703,15 +2703,15 @@
           </p:nvSpPr>
           <p:spPr>
             <a:xfrm>
-              <a:off x="2170217" y="1407846"/>
-              <a:ext cx="0" cy="5507419"/>
-            </a:xfrm>
-            <a:custGeom>
-              <a:avLst/>
-              <a:pathLst>
-                <a:path w="0" h="5507419">
-                  <a:moveTo>
-                    <a:pt x="0" y="5507419"/>
+              <a:off x="2141016" y="1392990"/>
+              <a:ext cx="0" cy="5534432"/>
+            </a:xfrm>
+            <a:custGeom>
+              <a:avLst/>
+              <a:pathLst>
+                <a:path w="0" h="5534432">
+                  <a:moveTo>
+                    <a:pt x="0" y="5534432"/>
                   </a:moveTo>
                   <a:lnTo>
                     <a:pt x="0" y="0"/>
@@ -2746,15 +2746,15 @@
           </p:nvSpPr>
           <p:spPr>
             <a:xfrm>
-              <a:off x="3354852" y="1407846"/>
-              <a:ext cx="0" cy="5507419"/>
-            </a:xfrm>
-            <a:custGeom>
-              <a:avLst/>
-              <a:pathLst>
-                <a:path w="0" h="5507419">
-                  <a:moveTo>
-                    <a:pt x="0" y="5507419"/>
+              <a:off x="3330076" y="1392990"/>
+              <a:ext cx="0" cy="5534432"/>
+            </a:xfrm>
+            <a:custGeom>
+              <a:avLst/>
+              <a:pathLst>
+                <a:path w="0" h="5534432">
+                  <a:moveTo>
+                    <a:pt x="0" y="5534432"/>
                   </a:moveTo>
                   <a:lnTo>
                     <a:pt x="0" y="0"/>
@@ -2789,15 +2789,15 @@
           </p:nvSpPr>
           <p:spPr>
             <a:xfrm>
-              <a:off x="4539488" y="1407846"/>
-              <a:ext cx="0" cy="5507419"/>
-            </a:xfrm>
-            <a:custGeom>
-              <a:avLst/>
-              <a:pathLst>
-                <a:path w="0" h="5507419">
-                  <a:moveTo>
-                    <a:pt x="0" y="5507419"/>
+              <a:off x="4519135" y="1392990"/>
+              <a:ext cx="0" cy="5534432"/>
+            </a:xfrm>
+            <a:custGeom>
+              <a:avLst/>
+              <a:pathLst>
+                <a:path w="0" h="5534432">
+                  <a:moveTo>
+                    <a:pt x="0" y="5534432"/>
                   </a:moveTo>
                   <a:lnTo>
                     <a:pt x="0" y="0"/>
@@ -2832,15 +2832,15 @@
           </p:nvSpPr>
           <p:spPr>
             <a:xfrm>
-              <a:off x="5724123" y="1407846"/>
-              <a:ext cx="0" cy="5507419"/>
-            </a:xfrm>
-            <a:custGeom>
-              <a:avLst/>
-              <a:pathLst>
-                <a:path w="0" h="5507419">
-                  <a:moveTo>
-                    <a:pt x="0" y="5507419"/>
+              <a:off x="5708195" y="1392990"/>
+              <a:ext cx="0" cy="5534432"/>
+            </a:xfrm>
+            <a:custGeom>
+              <a:avLst/>
+              <a:pathLst>
+                <a:path w="0" h="5534432">
+                  <a:moveTo>
+                    <a:pt x="0" y="5534432"/>
                   </a:moveTo>
                   <a:lnTo>
                     <a:pt x="0" y="0"/>
@@ -2875,15 +2875,15 @@
           </p:nvSpPr>
           <p:spPr>
             <a:xfrm>
-              <a:off x="6908758" y="1407846"/>
-              <a:ext cx="0" cy="5507419"/>
-            </a:xfrm>
-            <a:custGeom>
-              <a:avLst/>
-              <a:pathLst>
-                <a:path w="0" h="5507419">
-                  <a:moveTo>
-                    <a:pt x="0" y="5507419"/>
+              <a:off x="6897255" y="1392990"/>
+              <a:ext cx="0" cy="5534432"/>
+            </a:xfrm>
+            <a:custGeom>
+              <a:avLst/>
+              <a:pathLst>
+                <a:path w="0" h="5534432">
+                  <a:moveTo>
+                    <a:pt x="0" y="5534432"/>
                   </a:moveTo>
                   <a:lnTo>
                     <a:pt x="0" y="0"/>
@@ -2918,15 +2918,15 @@
           </p:nvSpPr>
           <p:spPr>
             <a:xfrm>
-              <a:off x="8093394" y="1407846"/>
-              <a:ext cx="0" cy="5507419"/>
-            </a:xfrm>
-            <a:custGeom>
-              <a:avLst/>
-              <a:pathLst>
-                <a:path w="0" h="5507419">
-                  <a:moveTo>
-                    <a:pt x="0" y="5507419"/>
+              <a:off x="8086315" y="1392990"/>
+              <a:ext cx="0" cy="5534432"/>
+            </a:xfrm>
+            <a:custGeom>
+              <a:avLst/>
+              <a:pathLst>
+                <a:path w="0" h="5534432">
+                  <a:moveTo>
+                    <a:pt x="0" y="5534432"/>
                   </a:moveTo>
                   <a:lnTo>
                     <a:pt x="0" y="0"/>
@@ -2961,15 +2961,15 @@
           </p:nvSpPr>
           <p:spPr>
             <a:xfrm>
-              <a:off x="9278029" y="1407846"/>
-              <a:ext cx="0" cy="5507419"/>
-            </a:xfrm>
-            <a:custGeom>
-              <a:avLst/>
-              <a:pathLst>
-                <a:path w="0" h="5507419">
-                  <a:moveTo>
-                    <a:pt x="0" y="5507419"/>
+              <a:off x="9275375" y="1392990"/>
+              <a:ext cx="0" cy="5534432"/>
+            </a:xfrm>
+            <a:custGeom>
+              <a:avLst/>
+              <a:pathLst>
+                <a:path w="0" h="5534432">
+                  <a:moveTo>
+                    <a:pt x="0" y="5534432"/>
                   </a:moveTo>
                   <a:lnTo>
                     <a:pt x="0" y="0"/>
@@ -3004,18 +3004,18 @@
           </p:nvSpPr>
           <p:spPr>
             <a:xfrm>
-              <a:off x="1874058" y="2982623"/>
-              <a:ext cx="592317" cy="0"/>
-            </a:xfrm>
-            <a:custGeom>
-              <a:avLst/>
-              <a:pathLst>
-                <a:path w="592317" h="0">
-                  <a:moveTo>
-                    <a:pt x="0" y="0"/>
-                  </a:moveTo>
-                  <a:lnTo>
-                    <a:pt x="592317" y="0"/>
+              <a:off x="1843751" y="2975490"/>
+              <a:ext cx="594529" cy="0"/>
+            </a:xfrm>
+            <a:custGeom>
+              <a:avLst/>
+              <a:pathLst>
+                <a:path w="594529" h="0">
+                  <a:moveTo>
+                    <a:pt x="0" y="0"/>
+                  </a:moveTo>
+                  <a:lnTo>
+                    <a:pt x="594529" y="0"/>
                   </a:lnTo>
                 </a:path>
               </a:pathLst>
@@ -3044,18 +3044,18 @@
           </p:nvSpPr>
           <p:spPr>
             <a:xfrm>
-              <a:off x="2170217" y="2982623"/>
-              <a:ext cx="0" cy="3658131"/>
-            </a:xfrm>
-            <a:custGeom>
-              <a:avLst/>
-              <a:pathLst>
-                <a:path w="0" h="3658131">
-                  <a:moveTo>
-                    <a:pt x="0" y="0"/>
-                  </a:moveTo>
-                  <a:lnTo>
-                    <a:pt x="0" y="3658131"/>
+              <a:off x="2141016" y="2975490"/>
+              <a:ext cx="0" cy="3676073"/>
+            </a:xfrm>
+            <a:custGeom>
+              <a:avLst/>
+              <a:pathLst>
+                <a:path w="0" h="3676073">
+                  <a:moveTo>
+                    <a:pt x="0" y="0"/>
+                  </a:moveTo>
+                  <a:lnTo>
+                    <a:pt x="0" y="3676073"/>
                   </a:lnTo>
                 </a:path>
               </a:pathLst>
@@ -3084,18 +3084,18 @@
           </p:nvSpPr>
           <p:spPr>
             <a:xfrm>
-              <a:off x="1874058" y="6640755"/>
-              <a:ext cx="592317" cy="0"/>
-            </a:xfrm>
-            <a:custGeom>
-              <a:avLst/>
-              <a:pathLst>
-                <a:path w="592317" h="0">
-                  <a:moveTo>
-                    <a:pt x="0" y="0"/>
-                  </a:moveTo>
-                  <a:lnTo>
-                    <a:pt x="592317" y="0"/>
+              <a:off x="1843751" y="6651564"/>
+              <a:ext cx="594529" cy="0"/>
+            </a:xfrm>
+            <a:custGeom>
+              <a:avLst/>
+              <a:pathLst>
+                <a:path w="594529" h="0">
+                  <a:moveTo>
+                    <a:pt x="0" y="0"/>
+                  </a:moveTo>
+                  <a:lnTo>
+                    <a:pt x="594529" y="0"/>
                   </a:lnTo>
                 </a:path>
               </a:pathLst>
@@ -3124,18 +3124,18 @@
           </p:nvSpPr>
           <p:spPr>
             <a:xfrm>
-              <a:off x="3058693" y="3380560"/>
-              <a:ext cx="592317" cy="0"/>
-            </a:xfrm>
-            <a:custGeom>
-              <a:avLst/>
-              <a:pathLst>
-                <a:path w="592317" h="0">
-                  <a:moveTo>
-                    <a:pt x="0" y="0"/>
-                  </a:moveTo>
-                  <a:lnTo>
-                    <a:pt x="592317" y="0"/>
+              <a:off x="3032811" y="3375379"/>
+              <a:ext cx="594529" cy="0"/>
+            </a:xfrm>
+            <a:custGeom>
+              <a:avLst/>
+              <a:pathLst>
+                <a:path w="594529" h="0">
+                  <a:moveTo>
+                    <a:pt x="0" y="0"/>
+                  </a:moveTo>
+                  <a:lnTo>
+                    <a:pt x="594529" y="0"/>
                   </a:lnTo>
                 </a:path>
               </a:pathLst>
@@ -3164,18 +3164,18 @@
           </p:nvSpPr>
           <p:spPr>
             <a:xfrm>
-              <a:off x="3354852" y="3380560"/>
-              <a:ext cx="0" cy="2021758"/>
-            </a:xfrm>
-            <a:custGeom>
-              <a:avLst/>
-              <a:pathLst>
-                <a:path w="0" h="2021758">
-                  <a:moveTo>
-                    <a:pt x="0" y="0"/>
-                  </a:moveTo>
-                  <a:lnTo>
-                    <a:pt x="0" y="2021758"/>
+              <a:off x="3330076" y="3375379"/>
+              <a:ext cx="0" cy="2031674"/>
+            </a:xfrm>
+            <a:custGeom>
+              <a:avLst/>
+              <a:pathLst>
+                <a:path w="0" h="2031674">
+                  <a:moveTo>
+                    <a:pt x="0" y="0"/>
+                  </a:moveTo>
+                  <a:lnTo>
+                    <a:pt x="0" y="2031674"/>
                   </a:lnTo>
                 </a:path>
               </a:pathLst>
@@ -3204,18 +3204,18 @@
           </p:nvSpPr>
           <p:spPr>
             <a:xfrm>
-              <a:off x="3058693" y="5402318"/>
-              <a:ext cx="592317" cy="0"/>
-            </a:xfrm>
-            <a:custGeom>
-              <a:avLst/>
-              <a:pathLst>
-                <a:path w="592317" h="0">
-                  <a:moveTo>
-                    <a:pt x="0" y="0"/>
-                  </a:moveTo>
-                  <a:lnTo>
-                    <a:pt x="592317" y="0"/>
+              <a:off x="3032811" y="5407053"/>
+              <a:ext cx="594529" cy="0"/>
+            </a:xfrm>
+            <a:custGeom>
+              <a:avLst/>
+              <a:pathLst>
+                <a:path w="594529" h="0">
+                  <a:moveTo>
+                    <a:pt x="0" y="0"/>
+                  </a:moveTo>
+                  <a:lnTo>
+                    <a:pt x="594529" y="0"/>
                   </a:lnTo>
                 </a:path>
               </a:pathLst>
@@ -3244,18 +3244,18 @@
           </p:nvSpPr>
           <p:spPr>
             <a:xfrm>
-              <a:off x="4243329" y="1658184"/>
-              <a:ext cx="592317" cy="0"/>
-            </a:xfrm>
-            <a:custGeom>
-              <a:avLst/>
-              <a:pathLst>
-                <a:path w="592317" h="0">
-                  <a:moveTo>
-                    <a:pt x="0" y="0"/>
-                  </a:moveTo>
-                  <a:lnTo>
-                    <a:pt x="592317" y="0"/>
+              <a:off x="4221870" y="1644555"/>
+              <a:ext cx="594529" cy="0"/>
+            </a:xfrm>
+            <a:custGeom>
+              <a:avLst/>
+              <a:pathLst>
+                <a:path w="594529" h="0">
+                  <a:moveTo>
+                    <a:pt x="0" y="0"/>
+                  </a:moveTo>
+                  <a:lnTo>
+                    <a:pt x="594529" y="0"/>
                   </a:lnTo>
                 </a:path>
               </a:pathLst>
@@ -3284,18 +3284,18 @@
           </p:nvSpPr>
           <p:spPr>
             <a:xfrm>
-              <a:off x="4539488" y="1658184"/>
-              <a:ext cx="0" cy="5006745"/>
-            </a:xfrm>
-            <a:custGeom>
-              <a:avLst/>
-              <a:pathLst>
-                <a:path w="0" h="5006745">
-                  <a:moveTo>
-                    <a:pt x="0" y="0"/>
-                  </a:moveTo>
-                  <a:lnTo>
-                    <a:pt x="0" y="5006745"/>
+              <a:off x="4519135" y="1644555"/>
+              <a:ext cx="0" cy="5031301"/>
+            </a:xfrm>
+            <a:custGeom>
+              <a:avLst/>
+              <a:pathLst>
+                <a:path w="0" h="5031301">
+                  <a:moveTo>
+                    <a:pt x="0" y="0"/>
+                  </a:moveTo>
+                  <a:lnTo>
+                    <a:pt x="0" y="5031301"/>
                   </a:lnTo>
                 </a:path>
               </a:pathLst>
@@ -3324,18 +3324,18 @@
           </p:nvSpPr>
           <p:spPr>
             <a:xfrm>
-              <a:off x="4243329" y="6664929"/>
-              <a:ext cx="592317" cy="0"/>
-            </a:xfrm>
-            <a:custGeom>
-              <a:avLst/>
-              <a:pathLst>
-                <a:path w="592317" h="0">
-                  <a:moveTo>
-                    <a:pt x="0" y="0"/>
-                  </a:moveTo>
-                  <a:lnTo>
-                    <a:pt x="592317" y="0"/>
+              <a:off x="4221870" y="6675857"/>
+              <a:ext cx="594529" cy="0"/>
+            </a:xfrm>
+            <a:custGeom>
+              <a:avLst/>
+              <a:pathLst>
+                <a:path w="594529" h="0">
+                  <a:moveTo>
+                    <a:pt x="0" y="0"/>
+                  </a:moveTo>
+                  <a:lnTo>
+                    <a:pt x="594529" y="0"/>
                   </a:lnTo>
                 </a:path>
               </a:pathLst>
@@ -3364,18 +3364,18 @@
           </p:nvSpPr>
           <p:spPr>
             <a:xfrm>
-              <a:off x="5427964" y="5234961"/>
-              <a:ext cx="592317" cy="0"/>
-            </a:xfrm>
-            <a:custGeom>
-              <a:avLst/>
-              <a:pathLst>
-                <a:path w="592317" h="0">
-                  <a:moveTo>
-                    <a:pt x="0" y="0"/>
-                  </a:moveTo>
-                  <a:lnTo>
-                    <a:pt x="592317" y="0"/>
+              <a:off x="5410930" y="5238876"/>
+              <a:ext cx="594529" cy="0"/>
+            </a:xfrm>
+            <a:custGeom>
+              <a:avLst/>
+              <a:pathLst>
+                <a:path w="594529" h="0">
+                  <a:moveTo>
+                    <a:pt x="0" y="0"/>
+                  </a:moveTo>
+                  <a:lnTo>
+                    <a:pt x="594529" y="0"/>
                   </a:lnTo>
                 </a:path>
               </a:pathLst>
@@ -3404,18 +3404,18 @@
           </p:nvSpPr>
           <p:spPr>
             <a:xfrm>
-              <a:off x="5724123" y="5234961"/>
-              <a:ext cx="0" cy="1344429"/>
-            </a:xfrm>
-            <a:custGeom>
-              <a:avLst/>
-              <a:pathLst>
-                <a:path w="0" h="1344429">
-                  <a:moveTo>
-                    <a:pt x="0" y="0"/>
-                  </a:moveTo>
-                  <a:lnTo>
-                    <a:pt x="0" y="1344429"/>
+              <a:off x="5708195" y="5238876"/>
+              <a:ext cx="0" cy="1351023"/>
+            </a:xfrm>
+            <a:custGeom>
+              <a:avLst/>
+              <a:pathLst>
+                <a:path w="0" h="1351023">
+                  <a:moveTo>
+                    <a:pt x="0" y="0"/>
+                  </a:moveTo>
+                  <a:lnTo>
+                    <a:pt x="0" y="1351023"/>
                   </a:lnTo>
                 </a:path>
               </a:pathLst>
@@ -3444,18 +3444,18 @@
           </p:nvSpPr>
           <p:spPr>
             <a:xfrm>
-              <a:off x="5427964" y="6579391"/>
-              <a:ext cx="592317" cy="0"/>
-            </a:xfrm>
-            <a:custGeom>
-              <a:avLst/>
-              <a:pathLst>
-                <a:path w="592317" h="0">
-                  <a:moveTo>
-                    <a:pt x="0" y="0"/>
-                  </a:moveTo>
-                  <a:lnTo>
-                    <a:pt x="592317" y="0"/>
+              <a:off x="5410930" y="6589899"/>
+              <a:ext cx="594529" cy="0"/>
+            </a:xfrm>
+            <a:custGeom>
+              <a:avLst/>
+              <a:pathLst>
+                <a:path w="594529" h="0">
+                  <a:moveTo>
+                    <a:pt x="0" y="0"/>
+                  </a:moveTo>
+                  <a:lnTo>
+                    <a:pt x="594529" y="0"/>
                   </a:lnTo>
                 </a:path>
               </a:pathLst>
@@ -3484,18 +3484,18 @@
           </p:nvSpPr>
           <p:spPr>
             <a:xfrm>
-              <a:off x="7797235" y="1877606"/>
-              <a:ext cx="592317" cy="0"/>
-            </a:xfrm>
-            <a:custGeom>
-              <a:avLst/>
-              <a:pathLst>
-                <a:path w="592317" h="0">
-                  <a:moveTo>
-                    <a:pt x="0" y="0"/>
-                  </a:moveTo>
-                  <a:lnTo>
-                    <a:pt x="592317" y="0"/>
+              <a:off x="7789050" y="1865054"/>
+              <a:ext cx="594529" cy="0"/>
+            </a:xfrm>
+            <a:custGeom>
+              <a:avLst/>
+              <a:pathLst>
+                <a:path w="594529" h="0">
+                  <a:moveTo>
+                    <a:pt x="0" y="0"/>
+                  </a:moveTo>
+                  <a:lnTo>
+                    <a:pt x="594529" y="0"/>
                   </a:lnTo>
                 </a:path>
               </a:pathLst>
@@ -3524,18 +3524,18 @@
           </p:nvSpPr>
           <p:spPr>
             <a:xfrm>
-              <a:off x="8093394" y="1877606"/>
-              <a:ext cx="0" cy="4738510"/>
-            </a:xfrm>
-            <a:custGeom>
-              <a:avLst/>
-              <a:pathLst>
-                <a:path w="0" h="4738510">
-                  <a:moveTo>
-                    <a:pt x="0" y="0"/>
-                  </a:moveTo>
-                  <a:lnTo>
-                    <a:pt x="0" y="4738510"/>
+              <a:off x="8086315" y="1865054"/>
+              <a:ext cx="0" cy="4761751"/>
+            </a:xfrm>
+            <a:custGeom>
+              <a:avLst/>
+              <a:pathLst>
+                <a:path w="0" h="4761751">
+                  <a:moveTo>
+                    <a:pt x="0" y="0"/>
+                  </a:moveTo>
+                  <a:lnTo>
+                    <a:pt x="0" y="4761751"/>
                   </a:lnTo>
                 </a:path>
               </a:pathLst>
@@ -3564,18 +3564,18 @@
           </p:nvSpPr>
           <p:spPr>
             <a:xfrm>
-              <a:off x="7797235" y="6616117"/>
-              <a:ext cx="592317" cy="0"/>
-            </a:xfrm>
-            <a:custGeom>
-              <a:avLst/>
-              <a:pathLst>
-                <a:path w="592317" h="0">
-                  <a:moveTo>
-                    <a:pt x="0" y="0"/>
-                  </a:moveTo>
-                  <a:lnTo>
-                    <a:pt x="592317" y="0"/>
+              <a:off x="7789050" y="6626805"/>
+              <a:ext cx="594529" cy="0"/>
+            </a:xfrm>
+            <a:custGeom>
+              <a:avLst/>
+              <a:pathLst>
+                <a:path w="594529" h="0">
+                  <a:moveTo>
+                    <a:pt x="0" y="0"/>
+                  </a:moveTo>
+                  <a:lnTo>
+                    <a:pt x="594529" y="0"/>
                   </a:lnTo>
                 </a:path>
               </a:pathLst>
@@ -3604,15 +3604,15 @@
           </p:nvSpPr>
           <p:spPr>
             <a:xfrm>
-              <a:off x="2170217" y="2982623"/>
-              <a:ext cx="0" cy="51833"/>
-            </a:xfrm>
-            <a:custGeom>
-              <a:avLst/>
-              <a:pathLst>
-                <a:path w="0" h="51833">
-                  <a:moveTo>
-                    <a:pt x="0" y="51833"/>
+              <a:off x="2141016" y="2975490"/>
+              <a:ext cx="0" cy="52088"/>
+            </a:xfrm>
+            <a:custGeom>
+              <a:avLst/>
+              <a:pathLst>
+                <a:path w="0" h="52088">
+                  <a:moveTo>
+                    <a:pt x="0" y="52088"/>
                   </a:moveTo>
                   <a:lnTo>
                     <a:pt x="0" y="0"/>
@@ -3644,18 +3644,18 @@
           </p:nvSpPr>
           <p:spPr>
             <a:xfrm>
-              <a:off x="2170217" y="6253743"/>
-              <a:ext cx="0" cy="387011"/>
-            </a:xfrm>
-            <a:custGeom>
-              <a:avLst/>
-              <a:pathLst>
-                <a:path w="0" h="387011">
-                  <a:moveTo>
-                    <a:pt x="0" y="0"/>
-                  </a:moveTo>
-                  <a:lnTo>
-                    <a:pt x="0" y="387011"/>
+              <a:off x="2141016" y="6262654"/>
+              <a:ext cx="0" cy="388909"/>
+            </a:xfrm>
+            <a:custGeom>
+              <a:avLst/>
+              <a:pathLst>
+                <a:path w="0" h="388909">
+                  <a:moveTo>
+                    <a:pt x="0" y="0"/>
+                  </a:moveTo>
+                  <a:lnTo>
+                    <a:pt x="0" y="388909"/>
                   </a:lnTo>
                 </a:path>
               </a:pathLst>
@@ -3684,24 +3684,24 @@
           </p:nvSpPr>
           <p:spPr>
             <a:xfrm>
-              <a:off x="1725978" y="3034457"/>
-              <a:ext cx="888476" cy="3219286"/>
-            </a:xfrm>
-            <a:custGeom>
-              <a:avLst/>
-              <a:pathLst>
-                <a:path w="888476" h="3219286">
-                  <a:moveTo>
-                    <a:pt x="0" y="0"/>
-                  </a:moveTo>
-                  <a:lnTo>
-                    <a:pt x="0" y="3219286"/>
-                  </a:lnTo>
-                  <a:lnTo>
-                    <a:pt x="888476" y="3219286"/>
-                  </a:lnTo>
-                  <a:lnTo>
-                    <a:pt x="888476" y="0"/>
+              <a:off x="1695118" y="3027579"/>
+              <a:ext cx="891794" cy="3235075"/>
+            </a:xfrm>
+            <a:custGeom>
+              <a:avLst/>
+              <a:pathLst>
+                <a:path w="891794" h="3235075">
+                  <a:moveTo>
+                    <a:pt x="0" y="0"/>
+                  </a:moveTo>
+                  <a:lnTo>
+                    <a:pt x="0" y="3235075"/>
+                  </a:lnTo>
+                  <a:lnTo>
+                    <a:pt x="891794" y="3235075"/>
+                  </a:lnTo>
+                  <a:lnTo>
+                    <a:pt x="891794" y="0"/>
                   </a:lnTo>
                   <a:close/>
                 </a:path>
@@ -3736,18 +3736,18 @@
           </p:nvSpPr>
           <p:spPr>
             <a:xfrm>
-              <a:off x="1725978" y="4281030"/>
-              <a:ext cx="888476" cy="0"/>
-            </a:xfrm>
-            <a:custGeom>
-              <a:avLst/>
-              <a:pathLst>
-                <a:path w="888476" h="0">
-                  <a:moveTo>
-                    <a:pt x="0" y="0"/>
-                  </a:moveTo>
-                  <a:lnTo>
-                    <a:pt x="888476" y="0"/>
+              <a:off x="1695118" y="4280265"/>
+              <a:ext cx="891794" cy="0"/>
+            </a:xfrm>
+            <a:custGeom>
+              <a:avLst/>
+              <a:pathLst>
+                <a:path w="891794" h="0">
+                  <a:moveTo>
+                    <a:pt x="0" y="0"/>
+                  </a:moveTo>
+                  <a:lnTo>
+                    <a:pt x="891794" y="0"/>
                   </a:lnTo>
                 </a:path>
               </a:pathLst>
@@ -3776,15 +3776,15 @@
           </p:nvSpPr>
           <p:spPr>
             <a:xfrm>
-              <a:off x="3354852" y="3380560"/>
-              <a:ext cx="0" cy="409093"/>
-            </a:xfrm>
-            <a:custGeom>
-              <a:avLst/>
-              <a:pathLst>
-                <a:path w="0" h="409093">
-                  <a:moveTo>
-                    <a:pt x="0" y="409093"/>
+              <a:off x="3330076" y="3375379"/>
+              <a:ext cx="0" cy="411099"/>
+            </a:xfrm>
+            <a:custGeom>
+              <a:avLst/>
+              <a:pathLst>
+                <a:path w="0" h="411099">
+                  <a:moveTo>
+                    <a:pt x="0" y="411099"/>
                   </a:moveTo>
                   <a:lnTo>
                     <a:pt x="0" y="0"/>
@@ -3816,18 +3816,18 @@
           </p:nvSpPr>
           <p:spPr>
             <a:xfrm>
-              <a:off x="3354852" y="4479998"/>
-              <a:ext cx="0" cy="922319"/>
-            </a:xfrm>
-            <a:custGeom>
-              <a:avLst/>
-              <a:pathLst>
-                <a:path w="0" h="922319">
-                  <a:moveTo>
-                    <a:pt x="0" y="0"/>
-                  </a:moveTo>
-                  <a:lnTo>
-                    <a:pt x="0" y="922319"/>
+              <a:off x="3330076" y="4480209"/>
+              <a:ext cx="0" cy="926843"/>
+            </a:xfrm>
+            <a:custGeom>
+              <a:avLst/>
+              <a:pathLst>
+                <a:path w="0" h="926843">
+                  <a:moveTo>
+                    <a:pt x="0" y="0"/>
+                  </a:moveTo>
+                  <a:lnTo>
+                    <a:pt x="0" y="926843"/>
                   </a:lnTo>
                 </a:path>
               </a:pathLst>
@@ -3856,24 +3856,24 @@
           </p:nvSpPr>
           <p:spPr>
             <a:xfrm>
-              <a:off x="2910614" y="3789653"/>
-              <a:ext cx="888476" cy="690345"/>
-            </a:xfrm>
-            <a:custGeom>
-              <a:avLst/>
-              <a:pathLst>
-                <a:path w="888476" h="690345">
-                  <a:moveTo>
-                    <a:pt x="0" y="0"/>
-                  </a:moveTo>
-                  <a:lnTo>
-                    <a:pt x="0" y="690345"/>
-                  </a:lnTo>
-                  <a:lnTo>
-                    <a:pt x="888476" y="690345"/>
-                  </a:lnTo>
-                  <a:lnTo>
-                    <a:pt x="888476" y="0"/>
+              <a:off x="2884178" y="3786478"/>
+              <a:ext cx="891794" cy="693731"/>
+            </a:xfrm>
+            <a:custGeom>
+              <a:avLst/>
+              <a:pathLst>
+                <a:path w="891794" h="693731">
+                  <a:moveTo>
+                    <a:pt x="0" y="0"/>
+                  </a:moveTo>
+                  <a:lnTo>
+                    <a:pt x="0" y="693731"/>
+                  </a:lnTo>
+                  <a:lnTo>
+                    <a:pt x="891794" y="693731"/>
+                  </a:lnTo>
+                  <a:lnTo>
+                    <a:pt x="891794" y="0"/>
                   </a:lnTo>
                   <a:close/>
                 </a:path>
@@ -3908,18 +3908,18 @@
           </p:nvSpPr>
           <p:spPr>
             <a:xfrm>
-              <a:off x="2910614" y="3922608"/>
-              <a:ext cx="888476" cy="0"/>
-            </a:xfrm>
-            <a:custGeom>
-              <a:avLst/>
-              <a:pathLst>
-                <a:path w="888476" h="0">
-                  <a:moveTo>
-                    <a:pt x="0" y="0"/>
-                  </a:moveTo>
-                  <a:lnTo>
-                    <a:pt x="888476" y="0"/>
+              <a:off x="2884178" y="3920086"/>
+              <a:ext cx="891794" cy="0"/>
+            </a:xfrm>
+            <a:custGeom>
+              <a:avLst/>
+              <a:pathLst>
+                <a:path w="891794" h="0">
+                  <a:moveTo>
+                    <a:pt x="0" y="0"/>
+                  </a:moveTo>
+                  <a:lnTo>
+                    <a:pt x="891794" y="0"/>
                   </a:lnTo>
                 </a:path>
               </a:pathLst>
@@ -3948,15 +3948,15 @@
           </p:nvSpPr>
           <p:spPr>
             <a:xfrm>
-              <a:off x="4539488" y="1658184"/>
-              <a:ext cx="0" cy="1452281"/>
-            </a:xfrm>
-            <a:custGeom>
-              <a:avLst/>
-              <a:pathLst>
-                <a:path w="0" h="1452281">
-                  <a:moveTo>
-                    <a:pt x="0" y="1452281"/>
+              <a:off x="4519135" y="1644555"/>
+              <a:ext cx="0" cy="1459404"/>
+            </a:xfrm>
+            <a:custGeom>
+              <a:avLst/>
+              <a:pathLst>
+                <a:path w="0" h="1459404">
+                  <a:moveTo>
+                    <a:pt x="0" y="1459404"/>
                   </a:moveTo>
                   <a:lnTo>
                     <a:pt x="0" y="0"/>
@@ -3988,18 +3988,18 @@
           </p:nvSpPr>
           <p:spPr>
             <a:xfrm>
-              <a:off x="4539488" y="6093360"/>
-              <a:ext cx="0" cy="571568"/>
-            </a:xfrm>
-            <a:custGeom>
-              <a:avLst/>
-              <a:pathLst>
-                <a:path w="0" h="571568">
-                  <a:moveTo>
-                    <a:pt x="0" y="0"/>
-                  </a:moveTo>
-                  <a:lnTo>
-                    <a:pt x="0" y="571568"/>
+              <a:off x="4519135" y="6101485"/>
+              <a:ext cx="0" cy="574371"/>
+            </a:xfrm>
+            <a:custGeom>
+              <a:avLst/>
+              <a:pathLst>
+                <a:path w="0" h="574371">
+                  <a:moveTo>
+                    <a:pt x="0" y="0"/>
+                  </a:moveTo>
+                  <a:lnTo>
+                    <a:pt x="0" y="574371"/>
                   </a:lnTo>
                 </a:path>
               </a:pathLst>
@@ -4028,24 +4028,24 @@
           </p:nvSpPr>
           <p:spPr>
             <a:xfrm>
-              <a:off x="4095249" y="3110465"/>
-              <a:ext cx="888476" cy="2982895"/>
-            </a:xfrm>
-            <a:custGeom>
-              <a:avLst/>
-              <a:pathLst>
-                <a:path w="888476" h="2982895">
-                  <a:moveTo>
-                    <a:pt x="0" y="0"/>
-                  </a:moveTo>
-                  <a:lnTo>
-                    <a:pt x="0" y="2982895"/>
-                  </a:lnTo>
-                  <a:lnTo>
-                    <a:pt x="888476" y="2982895"/>
-                  </a:lnTo>
-                  <a:lnTo>
-                    <a:pt x="888476" y="0"/>
+              <a:off x="4073238" y="3103959"/>
+              <a:ext cx="891794" cy="2997525"/>
+            </a:xfrm>
+            <a:custGeom>
+              <a:avLst/>
+              <a:pathLst>
+                <a:path w="891794" h="2997525">
+                  <a:moveTo>
+                    <a:pt x="0" y="0"/>
+                  </a:moveTo>
+                  <a:lnTo>
+                    <a:pt x="0" y="2997525"/>
+                  </a:lnTo>
+                  <a:lnTo>
+                    <a:pt x="891794" y="2997525"/>
+                  </a:lnTo>
+                  <a:lnTo>
+                    <a:pt x="891794" y="0"/>
                   </a:lnTo>
                   <a:close/>
                 </a:path>
@@ -4080,18 +4080,18 @@
           </p:nvSpPr>
           <p:spPr>
             <a:xfrm>
-              <a:off x="4095249" y="5667299"/>
-              <a:ext cx="888476" cy="0"/>
-            </a:xfrm>
-            <a:custGeom>
-              <a:avLst/>
-              <a:pathLst>
-                <a:path w="888476" h="0">
-                  <a:moveTo>
-                    <a:pt x="0" y="0"/>
-                  </a:moveTo>
-                  <a:lnTo>
-                    <a:pt x="888476" y="0"/>
+              <a:off x="4073238" y="5673333"/>
+              <a:ext cx="891794" cy="0"/>
+            </a:xfrm>
+            <a:custGeom>
+              <a:avLst/>
+              <a:pathLst>
+                <a:path w="891794" h="0">
+                  <a:moveTo>
+                    <a:pt x="0" y="0"/>
+                  </a:moveTo>
+                  <a:lnTo>
+                    <a:pt x="891794" y="0"/>
                   </a:lnTo>
                 </a:path>
               </a:pathLst>
@@ -4120,15 +4120,15 @@
           </p:nvSpPr>
           <p:spPr>
             <a:xfrm>
-              <a:off x="5724123" y="5234961"/>
-              <a:ext cx="0" cy="238482"/>
-            </a:xfrm>
-            <a:custGeom>
-              <a:avLst/>
-              <a:pathLst>
-                <a:path w="0" h="238482">
-                  <a:moveTo>
-                    <a:pt x="0" y="238482"/>
+              <a:off x="5708195" y="5238876"/>
+              <a:ext cx="0" cy="239652"/>
+            </a:xfrm>
+            <a:custGeom>
+              <a:avLst/>
+              <a:pathLst>
+                <a:path w="0" h="239652">
+                  <a:moveTo>
+                    <a:pt x="0" y="239652"/>
                   </a:moveTo>
                   <a:lnTo>
                     <a:pt x="0" y="0"/>
@@ -4160,18 +4160,18 @@
           </p:nvSpPr>
           <p:spPr>
             <a:xfrm>
-              <a:off x="5724123" y="5962962"/>
-              <a:ext cx="0" cy="616429"/>
-            </a:xfrm>
-            <a:custGeom>
-              <a:avLst/>
-              <a:pathLst>
-                <a:path w="0" h="616429">
-                  <a:moveTo>
-                    <a:pt x="0" y="0"/>
-                  </a:moveTo>
-                  <a:lnTo>
-                    <a:pt x="0" y="616429"/>
+              <a:off x="5708195" y="5970446"/>
+              <a:ext cx="0" cy="619452"/>
+            </a:xfrm>
+            <a:custGeom>
+              <a:avLst/>
+              <a:pathLst>
+                <a:path w="0" h="619452">
+                  <a:moveTo>
+                    <a:pt x="0" y="0"/>
+                  </a:moveTo>
+                  <a:lnTo>
+                    <a:pt x="0" y="619452"/>
                   </a:lnTo>
                 </a:path>
               </a:pathLst>
@@ -4200,24 +4200,24 @@
           </p:nvSpPr>
           <p:spPr>
             <a:xfrm>
-              <a:off x="5279885" y="5473444"/>
-              <a:ext cx="888476" cy="489517"/>
-            </a:xfrm>
-            <a:custGeom>
-              <a:avLst/>
-              <a:pathLst>
-                <a:path w="888476" h="489517">
-                  <a:moveTo>
-                    <a:pt x="0" y="0"/>
-                  </a:moveTo>
-                  <a:lnTo>
-                    <a:pt x="0" y="489517"/>
-                  </a:lnTo>
-                  <a:lnTo>
-                    <a:pt x="888476" y="489517"/>
-                  </a:lnTo>
-                  <a:lnTo>
-                    <a:pt x="888476" y="0"/>
+              <a:off x="5262298" y="5478528"/>
+              <a:ext cx="891794" cy="491918"/>
+            </a:xfrm>
+            <a:custGeom>
+              <a:avLst/>
+              <a:pathLst>
+                <a:path w="891794" h="491918">
+                  <a:moveTo>
+                    <a:pt x="0" y="0"/>
+                  </a:moveTo>
+                  <a:lnTo>
+                    <a:pt x="0" y="491918"/>
+                  </a:lnTo>
+                  <a:lnTo>
+                    <a:pt x="891794" y="491918"/>
+                  </a:lnTo>
+                  <a:lnTo>
+                    <a:pt x="891794" y="0"/>
                   </a:lnTo>
                   <a:close/>
                 </a:path>
@@ -4252,18 +4252,18 @@
           </p:nvSpPr>
           <p:spPr>
             <a:xfrm>
-              <a:off x="5279885" y="5655212"/>
-              <a:ext cx="888476" cy="0"/>
-            </a:xfrm>
-            <a:custGeom>
-              <a:avLst/>
-              <a:pathLst>
-                <a:path w="888476" h="0">
-                  <a:moveTo>
-                    <a:pt x="0" y="0"/>
-                  </a:moveTo>
-                  <a:lnTo>
-                    <a:pt x="888476" y="0"/>
+              <a:off x="5262298" y="5661187"/>
+              <a:ext cx="891794" cy="0"/>
+            </a:xfrm>
+            <a:custGeom>
+              <a:avLst/>
+              <a:pathLst>
+                <a:path w="891794" h="0">
+                  <a:moveTo>
+                    <a:pt x="0" y="0"/>
+                  </a:moveTo>
+                  <a:lnTo>
+                    <a:pt x="891794" y="0"/>
                   </a:lnTo>
                 </a:path>
               </a:pathLst>
@@ -4292,15 +4292,15 @@
           </p:nvSpPr>
           <p:spPr>
             <a:xfrm>
-              <a:off x="8093394" y="1877606"/>
-              <a:ext cx="0" cy="166659"/>
-            </a:xfrm>
-            <a:custGeom>
-              <a:avLst/>
-              <a:pathLst>
-                <a:path w="0" h="166659">
-                  <a:moveTo>
-                    <a:pt x="0" y="166659"/>
+              <a:off x="8086315" y="1865054"/>
+              <a:ext cx="0" cy="167476"/>
+            </a:xfrm>
+            <a:custGeom>
+              <a:avLst/>
+              <a:pathLst>
+                <a:path w="0" h="167476">
+                  <a:moveTo>
+                    <a:pt x="0" y="167476"/>
                   </a:moveTo>
                   <a:lnTo>
                     <a:pt x="0" y="0"/>
@@ -4332,18 +4332,18 @@
           </p:nvSpPr>
           <p:spPr>
             <a:xfrm>
-              <a:off x="8093394" y="4962310"/>
-              <a:ext cx="0" cy="1653806"/>
-            </a:xfrm>
-            <a:custGeom>
-              <a:avLst/>
-              <a:pathLst>
-                <a:path w="0" h="1653806">
-                  <a:moveTo>
-                    <a:pt x="0" y="0"/>
-                  </a:moveTo>
-                  <a:lnTo>
-                    <a:pt x="0" y="1653806"/>
+              <a:off x="8086315" y="4964887"/>
+              <a:ext cx="0" cy="1661917"/>
+            </a:xfrm>
+            <a:custGeom>
+              <a:avLst/>
+              <a:pathLst>
+                <a:path w="0" h="1661917">
+                  <a:moveTo>
+                    <a:pt x="0" y="0"/>
+                  </a:moveTo>
+                  <a:lnTo>
+                    <a:pt x="0" y="1661917"/>
                   </a:lnTo>
                 </a:path>
               </a:pathLst>
@@ -4372,24 +4372,24 @@
           </p:nvSpPr>
           <p:spPr>
             <a:xfrm>
-              <a:off x="7649155" y="2044265"/>
-              <a:ext cx="888476" cy="2918044"/>
-            </a:xfrm>
-            <a:custGeom>
-              <a:avLst/>
-              <a:pathLst>
-                <a:path w="888476" h="2918044">
-                  <a:moveTo>
-                    <a:pt x="0" y="0"/>
-                  </a:moveTo>
-                  <a:lnTo>
-                    <a:pt x="0" y="2918044"/>
-                  </a:lnTo>
-                  <a:lnTo>
-                    <a:pt x="888476" y="2918044"/>
-                  </a:lnTo>
-                  <a:lnTo>
-                    <a:pt x="888476" y="0"/>
+              <a:off x="7640417" y="2032530"/>
+              <a:ext cx="891794" cy="2932356"/>
+            </a:xfrm>
+            <a:custGeom>
+              <a:avLst/>
+              <a:pathLst>
+                <a:path w="891794" h="2932356">
+                  <a:moveTo>
+                    <a:pt x="0" y="0"/>
+                  </a:moveTo>
+                  <a:lnTo>
+                    <a:pt x="0" y="2932356"/>
+                  </a:lnTo>
+                  <a:lnTo>
+                    <a:pt x="891794" y="2932356"/>
+                  </a:lnTo>
+                  <a:lnTo>
+                    <a:pt x="891794" y="0"/>
                   </a:lnTo>
                   <a:close/>
                 </a:path>
@@ -4424,18 +4424,18 @@
           </p:nvSpPr>
           <p:spPr>
             <a:xfrm>
-              <a:off x="7649155" y="3063047"/>
-              <a:ext cx="888476" cy="0"/>
-            </a:xfrm>
-            <a:custGeom>
-              <a:avLst/>
-              <a:pathLst>
-                <a:path w="888476" h="0">
-                  <a:moveTo>
-                    <a:pt x="0" y="0"/>
-                  </a:moveTo>
-                  <a:lnTo>
-                    <a:pt x="888476" y="0"/>
+              <a:off x="7640417" y="3056309"/>
+              <a:ext cx="891794" cy="0"/>
+            </a:xfrm>
+            <a:custGeom>
+              <a:avLst/>
+              <a:pathLst>
+                <a:path w="891794" h="0">
+                  <a:moveTo>
+                    <a:pt x="0" y="0"/>
+                  </a:moveTo>
+                  <a:lnTo>
+                    <a:pt x="891794" y="0"/>
                   </a:lnTo>
                 </a:path>
               </a:pathLst>
@@ -4464,8 +4464,8 @@
           </p:nvSpPr>
           <p:spPr>
             <a:xfrm>
-              <a:off x="1459435" y="1407846"/>
-              <a:ext cx="8529375" cy="5507419"/>
+              <a:off x="1427580" y="1392990"/>
+              <a:ext cx="8561230" cy="5534432"/>
             </a:xfrm>
             <a:prstGeom prst="rect">
               <a:avLst/>
@@ -4494,8 +4494,8 @@
           </p:nvSpPr>
           <p:spPr>
             <a:xfrm>
-              <a:off x="1210339" y="5713415"/>
-              <a:ext cx="186466" cy="81746"/>
+              <a:off x="1197310" y="5721790"/>
+              <a:ext cx="167640" cy="76835"/>
             </a:xfrm>
             <a:prstGeom prst="rect">
               <a:avLst/>
@@ -4524,8 +4524,8 @@
                       <a:alpha val="100000"/>
                     </a:srgbClr>
                   </a:solidFill>
-                  <a:latin typeface="Arial"/>
-                  <a:cs typeface="Arial"/>
+                  <a:latin typeface="Times New Roman"/>
+                  <a:cs typeface="Times New Roman"/>
                 </a:rPr>
                 <a:t>300</a:t>
               </a:r>
@@ -4540,8 +4540,8 @@
           </p:nvSpPr>
           <p:spPr>
             <a:xfrm>
-              <a:off x="1210339" y="4318833"/>
-              <a:ext cx="186466" cy="81691"/>
+              <a:off x="1197310" y="4320313"/>
+              <a:ext cx="167640" cy="76835"/>
             </a:xfrm>
             <a:prstGeom prst="rect">
               <a:avLst/>
@@ -4570,8 +4570,8 @@
                       <a:alpha val="100000"/>
                     </a:srgbClr>
                   </a:solidFill>
-                  <a:latin typeface="Arial"/>
-                  <a:cs typeface="Arial"/>
+                  <a:latin typeface="Times New Roman"/>
+                  <a:cs typeface="Times New Roman"/>
                 </a:rPr>
                 <a:t>600</a:t>
               </a:r>
@@ -4586,8 +4586,8 @@
           </p:nvSpPr>
           <p:spPr>
             <a:xfrm>
-              <a:off x="1210339" y="2924196"/>
-              <a:ext cx="186466" cy="81691"/>
+              <a:off x="1197310" y="2918618"/>
+              <a:ext cx="167640" cy="77053"/>
             </a:xfrm>
             <a:prstGeom prst="rect">
               <a:avLst/>
@@ -4616,8 +4616,8 @@
                       <a:alpha val="100000"/>
                     </a:srgbClr>
                   </a:solidFill>
-                  <a:latin typeface="Arial"/>
-                  <a:cs typeface="Arial"/>
+                  <a:latin typeface="Times New Roman"/>
+                  <a:cs typeface="Times New Roman"/>
                 </a:rPr>
                 <a:t>900</a:t>
               </a:r>
@@ -4632,8 +4632,8 @@
           </p:nvSpPr>
           <p:spPr>
             <a:xfrm>
-              <a:off x="1148183" y="1529559"/>
-              <a:ext cx="248622" cy="81691"/>
+              <a:off x="1141430" y="1517360"/>
+              <a:ext cx="223520" cy="76835"/>
             </a:xfrm>
             <a:prstGeom prst="rect">
               <a:avLst/>
@@ -4662,8 +4662,8 @@
                       <a:alpha val="100000"/>
                     </a:srgbClr>
                   </a:solidFill>
-                  <a:latin typeface="Arial"/>
-                  <a:cs typeface="Arial"/>
+                  <a:latin typeface="Times New Roman"/>
+                  <a:cs typeface="Times New Roman"/>
                 </a:rPr>
                 <a:t>1200</a:t>
               </a:r>
@@ -4678,7 +4678,7 @@
           </p:nvSpPr>
           <p:spPr>
             <a:xfrm>
-              <a:off x="1424641" y="5755161"/>
+              <a:off x="1392785" y="5761626"/>
               <a:ext cx="34794" cy="0"/>
             </a:xfrm>
             <a:custGeom>
@@ -4718,7 +4718,7 @@
           </p:nvSpPr>
           <p:spPr>
             <a:xfrm>
-              <a:off x="1424641" y="4360524"/>
+              <a:off x="1392785" y="4360150"/>
               <a:ext cx="34794" cy="0"/>
             </a:xfrm>
             <a:custGeom>
@@ -4758,7 +4758,7 @@
           </p:nvSpPr>
           <p:spPr>
             <a:xfrm>
-              <a:off x="1424641" y="2965888"/>
+              <a:off x="1392785" y="2958673"/>
               <a:ext cx="34794" cy="0"/>
             </a:xfrm>
             <a:custGeom>
@@ -4798,7 +4798,7 @@
           </p:nvSpPr>
           <p:spPr>
             <a:xfrm>
-              <a:off x="1424641" y="1571251"/>
+              <a:off x="1392785" y="1557196"/>
               <a:ext cx="34794" cy="0"/>
             </a:xfrm>
             <a:custGeom>
@@ -4838,7 +4838,7 @@
           </p:nvSpPr>
           <p:spPr>
             <a:xfrm>
-              <a:off x="2170217" y="6915266"/>
+              <a:off x="2141016" y="6927422"/>
               <a:ext cx="0" cy="34794"/>
             </a:xfrm>
             <a:custGeom>
@@ -4878,7 +4878,7 @@
           </p:nvSpPr>
           <p:spPr>
             <a:xfrm>
-              <a:off x="3354852" y="6915266"/>
+              <a:off x="3330076" y="6927422"/>
               <a:ext cx="0" cy="34794"/>
             </a:xfrm>
             <a:custGeom>
@@ -4918,7 +4918,7 @@
           </p:nvSpPr>
           <p:spPr>
             <a:xfrm>
-              <a:off x="4539488" y="6915266"/>
+              <a:off x="4519135" y="6927422"/>
               <a:ext cx="0" cy="34794"/>
             </a:xfrm>
             <a:custGeom>
@@ -4958,7 +4958,7 @@
           </p:nvSpPr>
           <p:spPr>
             <a:xfrm>
-              <a:off x="5724123" y="6915266"/>
+              <a:off x="5708195" y="6927422"/>
               <a:ext cx="0" cy="34794"/>
             </a:xfrm>
             <a:custGeom>
@@ -4998,7 +4998,7 @@
           </p:nvSpPr>
           <p:spPr>
             <a:xfrm>
-              <a:off x="6908758" y="6915266"/>
+              <a:off x="6897255" y="6927422"/>
               <a:ext cx="0" cy="34794"/>
             </a:xfrm>
             <a:custGeom>
@@ -5038,7 +5038,7 @@
           </p:nvSpPr>
           <p:spPr>
             <a:xfrm>
-              <a:off x="8093394" y="6915266"/>
+              <a:off x="8086315" y="6927422"/>
               <a:ext cx="0" cy="34794"/>
             </a:xfrm>
             <a:custGeom>
@@ -5078,7 +5078,7 @@
           </p:nvSpPr>
           <p:spPr>
             <a:xfrm>
-              <a:off x="9278029" y="6915266"/>
+              <a:off x="9275375" y="6927422"/>
               <a:ext cx="0" cy="34794"/>
             </a:xfrm>
             <a:custGeom>
@@ -5118,8 +5118,8 @@
           </p:nvSpPr>
           <p:spPr>
             <a:xfrm>
-              <a:off x="1940339" y="6976587"/>
-              <a:ext cx="459754" cy="81309"/>
+              <a:off x="1923799" y="6984922"/>
+              <a:ext cx="434434" cy="79126"/>
             </a:xfrm>
             <a:prstGeom prst="rect">
               <a:avLst/>
@@ -5148,8 +5148,8 @@
                       <a:alpha val="100000"/>
                     </a:srgbClr>
                   </a:solidFill>
-                  <a:latin typeface="Arial"/>
-                  <a:cs typeface="Arial"/>
+                  <a:latin typeface="Times New Roman"/>
+                  <a:cs typeface="Times New Roman"/>
                 </a:rPr>
                 <a:t>Alveolata</a:t>
               </a:r>
@@ -5164,8 +5164,8 @@
           </p:nvSpPr>
           <p:spPr>
             <a:xfrm>
-              <a:off x="3152969" y="6976587"/>
-              <a:ext cx="403765" cy="81309"/>
+              <a:off x="3146965" y="6984922"/>
+              <a:ext cx="366221" cy="79126"/>
             </a:xfrm>
             <a:prstGeom prst="rect">
               <a:avLst/>
@@ -5194,8 +5194,8 @@
                       <a:alpha val="100000"/>
                     </a:srgbClr>
                   </a:solidFill>
-                  <a:latin typeface="Arial"/>
-                  <a:cs typeface="Arial"/>
+                  <a:latin typeface="Times New Roman"/>
+                  <a:cs typeface="Times New Roman"/>
                 </a:rPr>
                 <a:t>Discoba</a:t>
               </a:r>
@@ -5210,8 +5210,8 @@
           </p:nvSpPr>
           <p:spPr>
             <a:xfrm>
-              <a:off x="4213321" y="6976587"/>
-              <a:ext cx="652333" cy="81309"/>
+              <a:off x="4227430" y="6984922"/>
+              <a:ext cx="583411" cy="79126"/>
             </a:xfrm>
             <a:prstGeom prst="rect">
               <a:avLst/>
@@ -5240,8 +5240,8 @@
                       <a:alpha val="100000"/>
                     </a:srgbClr>
                   </a:solidFill>
-                  <a:latin typeface="Arial"/>
-                  <a:cs typeface="Arial"/>
+                  <a:latin typeface="Times New Roman"/>
+                  <a:cs typeface="Times New Roman"/>
                 </a:rPr>
                 <a:t>Metamonada</a:t>
               </a:r>
@@ -5256,8 +5256,8 @@
           </p:nvSpPr>
           <p:spPr>
             <a:xfrm>
-              <a:off x="5519157" y="6976587"/>
-              <a:ext cx="409932" cy="81309"/>
+              <a:off x="5518918" y="6985413"/>
+              <a:ext cx="378554" cy="78635"/>
             </a:xfrm>
             <a:prstGeom prst="rect">
               <a:avLst/>
@@ -5286,8 +5286,8 @@
                       <a:alpha val="100000"/>
                     </a:srgbClr>
                   </a:solidFill>
-                  <a:latin typeface="Arial"/>
-                  <a:cs typeface="Arial"/>
+                  <a:latin typeface="Times New Roman"/>
+                  <a:cs typeface="Times New Roman"/>
                 </a:rPr>
                 <a:t>Rhizaria</a:t>
               </a:r>
@@ -5302,8 +5302,8 @@
           </p:nvSpPr>
           <p:spPr>
             <a:xfrm>
-              <a:off x="6607394" y="6954376"/>
-              <a:ext cx="602729" cy="103519"/>
+              <a:off x="6624076" y="6962330"/>
+              <a:ext cx="546357" cy="101719"/>
             </a:xfrm>
             <a:prstGeom prst="rect">
               <a:avLst/>
@@ -5332,8 +5332,8 @@
                       <a:alpha val="100000"/>
                     </a:srgbClr>
                   </a:solidFill>
-                  <a:latin typeface="Arial"/>
-                  <a:cs typeface="Arial"/>
+                  <a:latin typeface="Times New Roman"/>
+                  <a:cs typeface="Times New Roman"/>
                 </a:rPr>
                 <a:t>Rhodophyta</a:t>
               </a:r>
@@ -5348,8 +5348,8 @@
           </p:nvSpPr>
           <p:spPr>
             <a:xfrm>
-              <a:off x="7736204" y="6954322"/>
-              <a:ext cx="714379" cy="103574"/>
+              <a:off x="7766615" y="6962548"/>
+              <a:ext cx="639400" cy="101500"/>
             </a:xfrm>
             <a:prstGeom prst="rect">
               <a:avLst/>
@@ -5378,8 +5378,8 @@
                       <a:alpha val="100000"/>
                     </a:srgbClr>
                   </a:solidFill>
-                  <a:latin typeface="Arial"/>
-                  <a:cs typeface="Arial"/>
+                  <a:latin typeface="Times New Roman"/>
+                  <a:cs typeface="Times New Roman"/>
                 </a:rPr>
                 <a:t>Stramenopiles</a:t>
               </a:r>
@@ -5394,8 +5394,8 @@
           </p:nvSpPr>
           <p:spPr>
             <a:xfrm>
-              <a:off x="8961167" y="6953012"/>
-              <a:ext cx="633725" cy="104884"/>
+              <a:off x="8989808" y="6962330"/>
+              <a:ext cx="571132" cy="101719"/>
             </a:xfrm>
             <a:prstGeom prst="rect">
               <a:avLst/>
@@ -5424,8 +5424,8 @@
                       <a:alpha val="100000"/>
                     </a:srgbClr>
                   </a:solidFill>
-                  <a:latin typeface="Arial"/>
-                  <a:cs typeface="Arial"/>
+                  <a:latin typeface="Times New Roman"/>
+                  <a:cs typeface="Times New Roman"/>
                 </a:rPr>
                 <a:t>Streptophyta</a:t>
               </a:r>
@@ -5440,8 +5440,8 @@
           </p:nvSpPr>
           <p:spPr>
             <a:xfrm>
-              <a:off x="5289266" y="7086743"/>
-              <a:ext cx="869714" cy="129468"/>
+              <a:off x="5322110" y="7090972"/>
+              <a:ext cx="772169" cy="124488"/>
             </a:xfrm>
             <a:prstGeom prst="rect">
               <a:avLst/>
@@ -5470,8 +5470,8 @@
                       <a:alpha val="100000"/>
                     </a:srgbClr>
                   </a:solidFill>
-                  <a:latin typeface="Arial"/>
-                  <a:cs typeface="Arial"/>
+                  <a:latin typeface="Times New Roman"/>
+                  <a:cs typeface="Times New Roman"/>
                 </a:rPr>
                 <a:t>Super Groups</a:t>
               </a:r>
@@ -5486,8 +5486,8 @@
           </p:nvSpPr>
           <p:spPr>
             <a:xfrm rot="-5400000">
-              <a:off x="321982" y="4109817"/>
-              <a:ext cx="1420533" cy="103478"/>
+              <a:off x="367378" y="4110649"/>
+              <a:ext cx="1319100" cy="99113"/>
             </a:xfrm>
             <a:prstGeom prst="rect">
               <a:avLst/>
@@ -5516,8 +5516,8 @@
                       <a:alpha val="100000"/>
                     </a:srgbClr>
                   </a:solidFill>
-                  <a:latin typeface="Arial"/>
-                  <a:cs typeface="Arial"/>
+                  <a:latin typeface="Times New Roman"/>
+                  <a:cs typeface="Times New Roman"/>
                 </a:rPr>
                 <a:t>RICTOR Overall Score</a:t>
               </a:r>
@@ -5532,8 +5532,8 @@
           </p:nvSpPr>
           <p:spPr>
             <a:xfrm>
-              <a:off x="1459435" y="1177752"/>
-              <a:ext cx="1723876" cy="131105"/>
+              <a:off x="1427580" y="1166102"/>
+              <a:ext cx="1563644" cy="127148"/>
             </a:xfrm>
             <a:prstGeom prst="rect">
               <a:avLst/>
@@ -5562,8 +5562,8 @@
                       <a:alpha val="100000"/>
                     </a:srgbClr>
                   </a:solidFill>
-                  <a:latin typeface="Arial"/>
-                  <a:cs typeface="Arial"/>
+                  <a:latin typeface="Times New Roman"/>
+                  <a:cs typeface="Times New Roman"/>
                 </a:rPr>
                 <a:t>By Associated Super Group</a:t>
               </a:r>
@@ -5578,8 +5578,8 @@
           </p:nvSpPr>
           <p:spPr>
             <a:xfrm>
-              <a:off x="1459435" y="979814"/>
-              <a:ext cx="1788460" cy="124174"/>
+              <a:off x="1427580" y="976049"/>
+              <a:ext cx="1648159" cy="118935"/>
             </a:xfrm>
             <a:prstGeom prst="rect">
               <a:avLst/>
@@ -5608,8 +5608,8 @@
                       <a:alpha val="100000"/>
                     </a:srgbClr>
                   </a:solidFill>
-                  <a:latin typeface="Arial"/>
-                  <a:cs typeface="Arial"/>
+                  <a:latin typeface="Times New Roman"/>
+                  <a:cs typeface="Times New Roman"/>
                 </a:rPr>
                 <a:t>RICTOR Overall Scores</a:t>
               </a:r>

--- a/Images/Figures_PPT/Box_Plot_Rictor_All.pptx
+++ b/Images/Figures_PPT/Box_Plot_Rictor_All.pptx
@@ -5440,8 +5440,8 @@
           </p:nvSpPr>
           <p:spPr>
             <a:xfrm>
-              <a:off x="5322110" y="7090972"/>
-              <a:ext cx="772169" cy="124488"/>
+              <a:off x="5545269" y="7116347"/>
+              <a:ext cx="325852" cy="99113"/>
             </a:xfrm>
             <a:prstGeom prst="rect">
               <a:avLst/>
@@ -5473,7 +5473,7 @@
                   <a:latin typeface="Times New Roman"/>
                   <a:cs typeface="Times New Roman"/>
                 </a:rPr>
-                <a:t>Super Groups</a:t>
+                <a:t>Clade</a:t>
               </a:r>
             </a:p>
           </p:txBody>
@@ -5533,7 +5533,7 @@
           <p:spPr>
             <a:xfrm>
               <a:off x="1427580" y="1166102"/>
-              <a:ext cx="1563644" cy="127148"/>
+              <a:ext cx="1171692" cy="127148"/>
             </a:xfrm>
             <a:prstGeom prst="rect">
               <a:avLst/>
@@ -5565,7 +5565,7 @@
                   <a:latin typeface="Times New Roman"/>
                   <a:cs typeface="Times New Roman"/>
                 </a:rPr>
-                <a:t>By Associated Super Group</a:t>
+                <a:t>By Associated Clade</a:t>
               </a:r>
             </a:p>
           </p:txBody>

--- a/Images/Figures_PPT/Box_Plot_Rictor_All.pptx
+++ b/Images/Figures_PPT/Box_Plot_Rictor_All.pptx
@@ -2298,8 +2298,8 @@
           </p:nvSpPr>
           <p:spPr>
             <a:xfrm>
-              <a:off x="10058400" y="914400"/>
-              <a:ext cx="0" cy="6400800"/>
+              <a:off x="914400" y="914400"/>
+              <a:ext cx="9144000" cy="6400800"/>
             </a:xfrm>
             <a:prstGeom prst="rect">
               <a:avLst/>
@@ -2333,8 +2333,8 @@
           </p:nvSpPr>
           <p:spPr>
             <a:xfrm>
-              <a:off x="1427580" y="1392990"/>
-              <a:ext cx="8561230" cy="5534432"/>
+              <a:off x="1710807" y="1613754"/>
+              <a:ext cx="8278003" cy="5133042"/>
             </a:xfrm>
             <a:prstGeom prst="rect">
               <a:avLst/>
@@ -2359,21 +2359,21 @@
           </p:nvSpPr>
           <p:spPr>
             <a:xfrm>
-              <a:off x="1427580" y="6462365"/>
-              <a:ext cx="8561230" cy="0"/>
-            </a:xfrm>
-            <a:custGeom>
-              <a:avLst/>
-              <a:pathLst>
-                <a:path w="8561230" h="0">
-                  <a:moveTo>
-                    <a:pt x="0" y="0"/>
-                  </a:moveTo>
-                  <a:lnTo>
-                    <a:pt x="8561230" y="0"/>
-                  </a:lnTo>
-                  <a:lnTo>
-                    <a:pt x="8561230" y="0"/>
+              <a:off x="1710807" y="6315468"/>
+              <a:ext cx="8278003" cy="0"/>
+            </a:xfrm>
+            <a:custGeom>
+              <a:avLst/>
+              <a:pathLst>
+                <a:path w="8278003" h="0">
+                  <a:moveTo>
+                    <a:pt x="0" y="0"/>
+                  </a:moveTo>
+                  <a:lnTo>
+                    <a:pt x="8278003" y="0"/>
+                  </a:lnTo>
+                  <a:lnTo>
+                    <a:pt x="8278003" y="0"/>
                   </a:lnTo>
                 </a:path>
               </a:pathLst>
@@ -2402,21 +2402,21 @@
           </p:nvSpPr>
           <p:spPr>
             <a:xfrm>
-              <a:off x="1427580" y="5060888"/>
-              <a:ext cx="8561230" cy="0"/>
-            </a:xfrm>
-            <a:custGeom>
-              <a:avLst/>
-              <a:pathLst>
-                <a:path w="8561230" h="0">
-                  <a:moveTo>
-                    <a:pt x="0" y="0"/>
-                  </a:moveTo>
-                  <a:lnTo>
-                    <a:pt x="8561230" y="0"/>
-                  </a:lnTo>
-                  <a:lnTo>
-                    <a:pt x="8561230" y="0"/>
+              <a:off x="1710807" y="5015635"/>
+              <a:ext cx="8278003" cy="0"/>
+            </a:xfrm>
+            <a:custGeom>
+              <a:avLst/>
+              <a:pathLst>
+                <a:path w="8278003" h="0">
+                  <a:moveTo>
+                    <a:pt x="0" y="0"/>
+                  </a:moveTo>
+                  <a:lnTo>
+                    <a:pt x="8278003" y="0"/>
+                  </a:lnTo>
+                  <a:lnTo>
+                    <a:pt x="8278003" y="0"/>
                   </a:lnTo>
                 </a:path>
               </a:pathLst>
@@ -2445,21 +2445,21 @@
           </p:nvSpPr>
           <p:spPr>
             <a:xfrm>
-              <a:off x="1427580" y="3659411"/>
-              <a:ext cx="8561230" cy="0"/>
-            </a:xfrm>
-            <a:custGeom>
-              <a:avLst/>
-              <a:pathLst>
-                <a:path w="8561230" h="0">
-                  <a:moveTo>
-                    <a:pt x="0" y="0"/>
-                  </a:moveTo>
-                  <a:lnTo>
-                    <a:pt x="8561230" y="0"/>
-                  </a:lnTo>
-                  <a:lnTo>
-                    <a:pt x="8561230" y="0"/>
+              <a:off x="1710807" y="3715801"/>
+              <a:ext cx="8278003" cy="0"/>
+            </a:xfrm>
+            <a:custGeom>
+              <a:avLst/>
+              <a:pathLst>
+                <a:path w="8278003" h="0">
+                  <a:moveTo>
+                    <a:pt x="0" y="0"/>
+                  </a:moveTo>
+                  <a:lnTo>
+                    <a:pt x="8278003" y="0"/>
+                  </a:lnTo>
+                  <a:lnTo>
+                    <a:pt x="8278003" y="0"/>
                   </a:lnTo>
                 </a:path>
               </a:pathLst>
@@ -2488,21 +2488,21 @@
           </p:nvSpPr>
           <p:spPr>
             <a:xfrm>
-              <a:off x="1427580" y="2257934"/>
-              <a:ext cx="8561230" cy="0"/>
-            </a:xfrm>
-            <a:custGeom>
-              <a:avLst/>
-              <a:pathLst>
-                <a:path w="8561230" h="0">
-                  <a:moveTo>
-                    <a:pt x="0" y="0"/>
-                  </a:moveTo>
-                  <a:lnTo>
-                    <a:pt x="8561230" y="0"/>
-                  </a:lnTo>
-                  <a:lnTo>
-                    <a:pt x="8561230" y="0"/>
+              <a:off x="1710807" y="2415968"/>
+              <a:ext cx="8278003" cy="0"/>
+            </a:xfrm>
+            <a:custGeom>
+              <a:avLst/>
+              <a:pathLst>
+                <a:path w="8278003" h="0">
+                  <a:moveTo>
+                    <a:pt x="0" y="0"/>
+                  </a:moveTo>
+                  <a:lnTo>
+                    <a:pt x="8278003" y="0"/>
+                  </a:lnTo>
+                  <a:lnTo>
+                    <a:pt x="8278003" y="0"/>
                   </a:lnTo>
                 </a:path>
               </a:pathLst>
@@ -2531,21 +2531,21 @@
           </p:nvSpPr>
           <p:spPr>
             <a:xfrm>
-              <a:off x="1427580" y="5761626"/>
-              <a:ext cx="8561230" cy="0"/>
-            </a:xfrm>
-            <a:custGeom>
-              <a:avLst/>
-              <a:pathLst>
-                <a:path w="8561230" h="0">
-                  <a:moveTo>
-                    <a:pt x="0" y="0"/>
-                  </a:moveTo>
-                  <a:lnTo>
-                    <a:pt x="8561230" y="0"/>
-                  </a:lnTo>
-                  <a:lnTo>
-                    <a:pt x="8561230" y="0"/>
+              <a:off x="1710807" y="5665551"/>
+              <a:ext cx="8278003" cy="0"/>
+            </a:xfrm>
+            <a:custGeom>
+              <a:avLst/>
+              <a:pathLst>
+                <a:path w="8278003" h="0">
+                  <a:moveTo>
+                    <a:pt x="0" y="0"/>
+                  </a:moveTo>
+                  <a:lnTo>
+                    <a:pt x="8278003" y="0"/>
+                  </a:lnTo>
+                  <a:lnTo>
+                    <a:pt x="8278003" y="0"/>
                   </a:lnTo>
                 </a:path>
               </a:pathLst>
@@ -2574,21 +2574,21 @@
           </p:nvSpPr>
           <p:spPr>
             <a:xfrm>
-              <a:off x="1427580" y="4360150"/>
-              <a:ext cx="8561230" cy="0"/>
-            </a:xfrm>
-            <a:custGeom>
-              <a:avLst/>
-              <a:pathLst>
-                <a:path w="8561230" h="0">
-                  <a:moveTo>
-                    <a:pt x="0" y="0"/>
-                  </a:moveTo>
-                  <a:lnTo>
-                    <a:pt x="8561230" y="0"/>
-                  </a:lnTo>
-                  <a:lnTo>
-                    <a:pt x="8561230" y="0"/>
+              <a:off x="1710807" y="4365718"/>
+              <a:ext cx="8278003" cy="0"/>
+            </a:xfrm>
+            <a:custGeom>
+              <a:avLst/>
+              <a:pathLst>
+                <a:path w="8278003" h="0">
+                  <a:moveTo>
+                    <a:pt x="0" y="0"/>
+                  </a:moveTo>
+                  <a:lnTo>
+                    <a:pt x="8278003" y="0"/>
+                  </a:lnTo>
+                  <a:lnTo>
+                    <a:pt x="8278003" y="0"/>
                   </a:lnTo>
                 </a:path>
               </a:pathLst>
@@ -2617,21 +2617,21 @@
           </p:nvSpPr>
           <p:spPr>
             <a:xfrm>
-              <a:off x="1427580" y="2958673"/>
-              <a:ext cx="8561230" cy="0"/>
-            </a:xfrm>
-            <a:custGeom>
-              <a:avLst/>
-              <a:pathLst>
-                <a:path w="8561230" h="0">
-                  <a:moveTo>
-                    <a:pt x="0" y="0"/>
-                  </a:moveTo>
-                  <a:lnTo>
-                    <a:pt x="8561230" y="0"/>
-                  </a:lnTo>
-                  <a:lnTo>
-                    <a:pt x="8561230" y="0"/>
+              <a:off x="1710807" y="3065884"/>
+              <a:ext cx="8278003" cy="0"/>
+            </a:xfrm>
+            <a:custGeom>
+              <a:avLst/>
+              <a:pathLst>
+                <a:path w="8278003" h="0">
+                  <a:moveTo>
+                    <a:pt x="0" y="0"/>
+                  </a:moveTo>
+                  <a:lnTo>
+                    <a:pt x="8278003" y="0"/>
+                  </a:lnTo>
+                  <a:lnTo>
+                    <a:pt x="8278003" y="0"/>
                   </a:lnTo>
                 </a:path>
               </a:pathLst>
@@ -2660,21 +2660,21 @@
           </p:nvSpPr>
           <p:spPr>
             <a:xfrm>
-              <a:off x="1427580" y="1557196"/>
-              <a:ext cx="8561230" cy="0"/>
-            </a:xfrm>
-            <a:custGeom>
-              <a:avLst/>
-              <a:pathLst>
-                <a:path w="8561230" h="0">
-                  <a:moveTo>
-                    <a:pt x="0" y="0"/>
-                  </a:moveTo>
-                  <a:lnTo>
-                    <a:pt x="8561230" y="0"/>
-                  </a:lnTo>
-                  <a:lnTo>
-                    <a:pt x="8561230" y="0"/>
+              <a:off x="1710807" y="1766051"/>
+              <a:ext cx="8278003" cy="0"/>
+            </a:xfrm>
+            <a:custGeom>
+              <a:avLst/>
+              <a:pathLst>
+                <a:path w="8278003" h="0">
+                  <a:moveTo>
+                    <a:pt x="0" y="0"/>
+                  </a:moveTo>
+                  <a:lnTo>
+                    <a:pt x="8278003" y="0"/>
+                  </a:lnTo>
+                  <a:lnTo>
+                    <a:pt x="8278003" y="0"/>
                   </a:lnTo>
                 </a:path>
               </a:pathLst>
@@ -2703,15 +2703,15 @@
           </p:nvSpPr>
           <p:spPr>
             <a:xfrm>
-              <a:off x="2141016" y="1392990"/>
-              <a:ext cx="0" cy="5534432"/>
-            </a:xfrm>
-            <a:custGeom>
-              <a:avLst/>
-              <a:pathLst>
-                <a:path w="0" h="5534432">
-                  <a:moveTo>
-                    <a:pt x="0" y="5534432"/>
+              <a:off x="2400641" y="1613754"/>
+              <a:ext cx="0" cy="5133042"/>
+            </a:xfrm>
+            <a:custGeom>
+              <a:avLst/>
+              <a:pathLst>
+                <a:path w="0" h="5133042">
+                  <a:moveTo>
+                    <a:pt x="0" y="5133042"/>
                   </a:moveTo>
                   <a:lnTo>
                     <a:pt x="0" y="0"/>
@@ -2746,15 +2746,15 @@
           </p:nvSpPr>
           <p:spPr>
             <a:xfrm>
-              <a:off x="3330076" y="1392990"/>
-              <a:ext cx="0" cy="5534432"/>
-            </a:xfrm>
-            <a:custGeom>
-              <a:avLst/>
-              <a:pathLst>
-                <a:path w="0" h="5534432">
-                  <a:moveTo>
-                    <a:pt x="0" y="5534432"/>
+              <a:off x="3550364" y="1613754"/>
+              <a:ext cx="0" cy="5133042"/>
+            </a:xfrm>
+            <a:custGeom>
+              <a:avLst/>
+              <a:pathLst>
+                <a:path w="0" h="5133042">
+                  <a:moveTo>
+                    <a:pt x="0" y="5133042"/>
                   </a:moveTo>
                   <a:lnTo>
                     <a:pt x="0" y="0"/>
@@ -2789,15 +2789,15 @@
           </p:nvSpPr>
           <p:spPr>
             <a:xfrm>
-              <a:off x="4519135" y="1392990"/>
-              <a:ext cx="0" cy="5534432"/>
-            </a:xfrm>
-            <a:custGeom>
-              <a:avLst/>
-              <a:pathLst>
-                <a:path w="0" h="5534432">
-                  <a:moveTo>
-                    <a:pt x="0" y="5534432"/>
+              <a:off x="4700086" y="1613754"/>
+              <a:ext cx="0" cy="5133042"/>
+            </a:xfrm>
+            <a:custGeom>
+              <a:avLst/>
+              <a:pathLst>
+                <a:path w="0" h="5133042">
+                  <a:moveTo>
+                    <a:pt x="0" y="5133042"/>
                   </a:moveTo>
                   <a:lnTo>
                     <a:pt x="0" y="0"/>
@@ -2832,15 +2832,15 @@
           </p:nvSpPr>
           <p:spPr>
             <a:xfrm>
-              <a:off x="5708195" y="1392990"/>
-              <a:ext cx="0" cy="5534432"/>
-            </a:xfrm>
-            <a:custGeom>
-              <a:avLst/>
-              <a:pathLst>
-                <a:path w="0" h="5534432">
-                  <a:moveTo>
-                    <a:pt x="0" y="5534432"/>
+              <a:off x="5849809" y="1613754"/>
+              <a:ext cx="0" cy="5133042"/>
+            </a:xfrm>
+            <a:custGeom>
+              <a:avLst/>
+              <a:pathLst>
+                <a:path w="0" h="5133042">
+                  <a:moveTo>
+                    <a:pt x="0" y="5133042"/>
                   </a:moveTo>
                   <a:lnTo>
                     <a:pt x="0" y="0"/>
@@ -2875,15 +2875,15 @@
           </p:nvSpPr>
           <p:spPr>
             <a:xfrm>
-              <a:off x="6897255" y="1392990"/>
-              <a:ext cx="0" cy="5534432"/>
-            </a:xfrm>
-            <a:custGeom>
-              <a:avLst/>
-              <a:pathLst>
-                <a:path w="0" h="5534432">
-                  <a:moveTo>
-                    <a:pt x="0" y="5534432"/>
+              <a:off x="6999532" y="1613754"/>
+              <a:ext cx="0" cy="5133042"/>
+            </a:xfrm>
+            <a:custGeom>
+              <a:avLst/>
+              <a:pathLst>
+                <a:path w="0" h="5133042">
+                  <a:moveTo>
+                    <a:pt x="0" y="5133042"/>
                   </a:moveTo>
                   <a:lnTo>
                     <a:pt x="0" y="0"/>
@@ -2918,15 +2918,15 @@
           </p:nvSpPr>
           <p:spPr>
             <a:xfrm>
-              <a:off x="8086315" y="1392990"/>
-              <a:ext cx="0" cy="5534432"/>
-            </a:xfrm>
-            <a:custGeom>
-              <a:avLst/>
-              <a:pathLst>
-                <a:path w="0" h="5534432">
-                  <a:moveTo>
-                    <a:pt x="0" y="5534432"/>
+              <a:off x="8149254" y="1613754"/>
+              <a:ext cx="0" cy="5133042"/>
+            </a:xfrm>
+            <a:custGeom>
+              <a:avLst/>
+              <a:pathLst>
+                <a:path w="0" h="5133042">
+                  <a:moveTo>
+                    <a:pt x="0" y="5133042"/>
                   </a:moveTo>
                   <a:lnTo>
                     <a:pt x="0" y="0"/>
@@ -2961,15 +2961,15 @@
           </p:nvSpPr>
           <p:spPr>
             <a:xfrm>
-              <a:off x="9275375" y="1392990"/>
-              <a:ext cx="0" cy="5534432"/>
-            </a:xfrm>
-            <a:custGeom>
-              <a:avLst/>
-              <a:pathLst>
-                <a:path w="0" h="5534432">
-                  <a:moveTo>
-                    <a:pt x="0" y="5534432"/>
+              <a:off x="9298977" y="1613754"/>
+              <a:ext cx="0" cy="5133042"/>
+            </a:xfrm>
+            <a:custGeom>
+              <a:avLst/>
+              <a:pathLst>
+                <a:path w="0" h="5133042">
+                  <a:moveTo>
+                    <a:pt x="0" y="5133042"/>
                   </a:moveTo>
                   <a:lnTo>
                     <a:pt x="0" y="0"/>
@@ -3004,18 +3004,18 @@
           </p:nvSpPr>
           <p:spPr>
             <a:xfrm>
-              <a:off x="1843751" y="2975490"/>
-              <a:ext cx="594529" cy="0"/>
-            </a:xfrm>
-            <a:custGeom>
-              <a:avLst/>
-              <a:pathLst>
-                <a:path w="594529" h="0">
-                  <a:moveTo>
-                    <a:pt x="0" y="0"/>
-                  </a:moveTo>
-                  <a:lnTo>
-                    <a:pt x="594529" y="0"/>
+              <a:off x="2113210" y="3081482"/>
+              <a:ext cx="574861" cy="0"/>
+            </a:xfrm>
+            <a:custGeom>
+              <a:avLst/>
+              <a:pathLst>
+                <a:path w="574861" h="0">
+                  <a:moveTo>
+                    <a:pt x="0" y="0"/>
+                  </a:moveTo>
+                  <a:lnTo>
+                    <a:pt x="574861" y="0"/>
                   </a:lnTo>
                 </a:path>
               </a:pathLst>
@@ -3044,18 +3044,18 @@
           </p:nvSpPr>
           <p:spPr>
             <a:xfrm>
-              <a:off x="2141016" y="2975490"/>
-              <a:ext cx="0" cy="3676073"/>
-            </a:xfrm>
-            <a:custGeom>
-              <a:avLst/>
-              <a:pathLst>
-                <a:path w="0" h="3676073">
-                  <a:moveTo>
-                    <a:pt x="0" y="0"/>
-                  </a:moveTo>
-                  <a:lnTo>
-                    <a:pt x="0" y="3676073"/>
+              <a:off x="2400641" y="3081482"/>
+              <a:ext cx="0" cy="3409463"/>
+            </a:xfrm>
+            <a:custGeom>
+              <a:avLst/>
+              <a:pathLst>
+                <a:path w="0" h="3409463">
+                  <a:moveTo>
+                    <a:pt x="0" y="0"/>
+                  </a:moveTo>
+                  <a:lnTo>
+                    <a:pt x="0" y="3409463"/>
                   </a:lnTo>
                 </a:path>
               </a:pathLst>
@@ -3084,18 +3084,18 @@
           </p:nvSpPr>
           <p:spPr>
             <a:xfrm>
-              <a:off x="1843751" y="6651564"/>
-              <a:ext cx="594529" cy="0"/>
-            </a:xfrm>
-            <a:custGeom>
-              <a:avLst/>
-              <a:pathLst>
-                <a:path w="594529" h="0">
-                  <a:moveTo>
-                    <a:pt x="0" y="0"/>
-                  </a:moveTo>
-                  <a:lnTo>
-                    <a:pt x="594529" y="0"/>
+              <a:off x="2113210" y="6490946"/>
+              <a:ext cx="574861" cy="0"/>
+            </a:xfrm>
+            <a:custGeom>
+              <a:avLst/>
+              <a:pathLst>
+                <a:path w="574861" h="0">
+                  <a:moveTo>
+                    <a:pt x="0" y="0"/>
+                  </a:moveTo>
+                  <a:lnTo>
+                    <a:pt x="574861" y="0"/>
                   </a:lnTo>
                 </a:path>
               </a:pathLst>
@@ -3124,18 +3124,18 @@
           </p:nvSpPr>
           <p:spPr>
             <a:xfrm>
-              <a:off x="3032811" y="3375379"/>
-              <a:ext cx="594529" cy="0"/>
-            </a:xfrm>
-            <a:custGeom>
-              <a:avLst/>
-              <a:pathLst>
-                <a:path w="594529" h="0">
-                  <a:moveTo>
-                    <a:pt x="0" y="0"/>
-                  </a:moveTo>
-                  <a:lnTo>
-                    <a:pt x="594529" y="0"/>
+              <a:off x="3262933" y="3452368"/>
+              <a:ext cx="574861" cy="0"/>
+            </a:xfrm>
+            <a:custGeom>
+              <a:avLst/>
+              <a:pathLst>
+                <a:path w="574861" h="0">
+                  <a:moveTo>
+                    <a:pt x="0" y="0"/>
+                  </a:moveTo>
+                  <a:lnTo>
+                    <a:pt x="574861" y="0"/>
                   </a:lnTo>
                 </a:path>
               </a:pathLst>
@@ -3164,18 +3164,18 @@
           </p:nvSpPr>
           <p:spPr>
             <a:xfrm>
-              <a:off x="3330076" y="3375379"/>
-              <a:ext cx="0" cy="2031674"/>
-            </a:xfrm>
-            <a:custGeom>
-              <a:avLst/>
-              <a:pathLst>
-                <a:path w="0" h="2031674">
-                  <a:moveTo>
-                    <a:pt x="0" y="0"/>
-                  </a:moveTo>
-                  <a:lnTo>
-                    <a:pt x="0" y="2031674"/>
+              <a:off x="3550364" y="3452368"/>
+              <a:ext cx="0" cy="1884325"/>
+            </a:xfrm>
+            <a:custGeom>
+              <a:avLst/>
+              <a:pathLst>
+                <a:path w="0" h="1884325">
+                  <a:moveTo>
+                    <a:pt x="0" y="0"/>
+                  </a:moveTo>
+                  <a:lnTo>
+                    <a:pt x="0" y="1884325"/>
                   </a:lnTo>
                 </a:path>
               </a:pathLst>
@@ -3204,18 +3204,18 @@
           </p:nvSpPr>
           <p:spPr>
             <a:xfrm>
-              <a:off x="3032811" y="5407053"/>
-              <a:ext cx="594529" cy="0"/>
-            </a:xfrm>
-            <a:custGeom>
-              <a:avLst/>
-              <a:pathLst>
-                <a:path w="594529" h="0">
-                  <a:moveTo>
-                    <a:pt x="0" y="0"/>
-                  </a:moveTo>
-                  <a:lnTo>
-                    <a:pt x="594529" y="0"/>
+              <a:off x="3262933" y="5336694"/>
+              <a:ext cx="574861" cy="0"/>
+            </a:xfrm>
+            <a:custGeom>
+              <a:avLst/>
+              <a:pathLst>
+                <a:path w="574861" h="0">
+                  <a:moveTo>
+                    <a:pt x="0" y="0"/>
+                  </a:moveTo>
+                  <a:lnTo>
+                    <a:pt x="574861" y="0"/>
                   </a:lnTo>
                 </a:path>
               </a:pathLst>
@@ -3244,18 +3244,18 @@
           </p:nvSpPr>
           <p:spPr>
             <a:xfrm>
-              <a:off x="4221870" y="1644555"/>
-              <a:ext cx="594529" cy="0"/>
-            </a:xfrm>
-            <a:custGeom>
-              <a:avLst/>
-              <a:pathLst>
-                <a:path w="594529" h="0">
-                  <a:moveTo>
-                    <a:pt x="0" y="0"/>
-                  </a:moveTo>
-                  <a:lnTo>
-                    <a:pt x="594529" y="0"/>
+              <a:off x="4412656" y="1847074"/>
+              <a:ext cx="574861" cy="0"/>
+            </a:xfrm>
+            <a:custGeom>
+              <a:avLst/>
+              <a:pathLst>
+                <a:path w="574861" h="0">
+                  <a:moveTo>
+                    <a:pt x="0" y="0"/>
+                  </a:moveTo>
+                  <a:lnTo>
+                    <a:pt x="574861" y="0"/>
                   </a:lnTo>
                 </a:path>
               </a:pathLst>
@@ -3284,18 +3284,18 @@
           </p:nvSpPr>
           <p:spPr>
             <a:xfrm>
-              <a:off x="4519135" y="1644555"/>
-              <a:ext cx="0" cy="5031301"/>
-            </a:xfrm>
-            <a:custGeom>
-              <a:avLst/>
-              <a:pathLst>
-                <a:path w="0" h="5031301">
-                  <a:moveTo>
-                    <a:pt x="0" y="0"/>
-                  </a:moveTo>
-                  <a:lnTo>
-                    <a:pt x="0" y="5031301"/>
+              <a:off x="4700086" y="1847074"/>
+              <a:ext cx="0" cy="4666402"/>
+            </a:xfrm>
+            <a:custGeom>
+              <a:avLst/>
+              <a:pathLst>
+                <a:path w="0" h="4666402">
+                  <a:moveTo>
+                    <a:pt x="0" y="0"/>
+                  </a:moveTo>
+                  <a:lnTo>
+                    <a:pt x="0" y="4666402"/>
                   </a:lnTo>
                 </a:path>
               </a:pathLst>
@@ -3324,18 +3324,18 @@
           </p:nvSpPr>
           <p:spPr>
             <a:xfrm>
-              <a:off x="4221870" y="6675857"/>
-              <a:ext cx="594529" cy="0"/>
-            </a:xfrm>
-            <a:custGeom>
-              <a:avLst/>
-              <a:pathLst>
-                <a:path w="594529" h="0">
-                  <a:moveTo>
-                    <a:pt x="0" y="0"/>
-                  </a:moveTo>
-                  <a:lnTo>
-                    <a:pt x="594529" y="0"/>
+              <a:off x="4412656" y="6513476"/>
+              <a:ext cx="574861" cy="0"/>
+            </a:xfrm>
+            <a:custGeom>
+              <a:avLst/>
+              <a:pathLst>
+                <a:path w="574861" h="0">
+                  <a:moveTo>
+                    <a:pt x="0" y="0"/>
+                  </a:moveTo>
+                  <a:lnTo>
+                    <a:pt x="574861" y="0"/>
                   </a:lnTo>
                 </a:path>
               </a:pathLst>
@@ -3364,18 +3364,18 @@
           </p:nvSpPr>
           <p:spPr>
             <a:xfrm>
-              <a:off x="5410930" y="5238876"/>
-              <a:ext cx="594529" cy="0"/>
-            </a:xfrm>
-            <a:custGeom>
-              <a:avLst/>
-              <a:pathLst>
-                <a:path w="594529" h="0">
-                  <a:moveTo>
-                    <a:pt x="0" y="0"/>
-                  </a:moveTo>
-                  <a:lnTo>
-                    <a:pt x="594529" y="0"/>
+              <a:off x="5562378" y="5180714"/>
+              <a:ext cx="574861" cy="0"/>
+            </a:xfrm>
+            <a:custGeom>
+              <a:avLst/>
+              <a:pathLst>
+                <a:path w="574861" h="0">
+                  <a:moveTo>
+                    <a:pt x="0" y="0"/>
+                  </a:moveTo>
+                  <a:lnTo>
+                    <a:pt x="574861" y="0"/>
                   </a:lnTo>
                 </a:path>
               </a:pathLst>
@@ -3404,18 +3404,18 @@
           </p:nvSpPr>
           <p:spPr>
             <a:xfrm>
-              <a:off x="5708195" y="5238876"/>
-              <a:ext cx="0" cy="1351023"/>
-            </a:xfrm>
-            <a:custGeom>
-              <a:avLst/>
-              <a:pathLst>
-                <a:path w="0" h="1351023">
-                  <a:moveTo>
-                    <a:pt x="0" y="0"/>
-                  </a:moveTo>
-                  <a:lnTo>
-                    <a:pt x="0" y="1351023"/>
+              <a:off x="5849809" y="5180714"/>
+              <a:ext cx="0" cy="1253039"/>
+            </a:xfrm>
+            <a:custGeom>
+              <a:avLst/>
+              <a:pathLst>
+                <a:path w="0" h="1253039">
+                  <a:moveTo>
+                    <a:pt x="0" y="0"/>
+                  </a:moveTo>
+                  <a:lnTo>
+                    <a:pt x="0" y="1253039"/>
                   </a:lnTo>
                 </a:path>
               </a:pathLst>
@@ -3444,18 +3444,18 @@
           </p:nvSpPr>
           <p:spPr>
             <a:xfrm>
-              <a:off x="5410930" y="6589899"/>
-              <a:ext cx="594529" cy="0"/>
-            </a:xfrm>
-            <a:custGeom>
-              <a:avLst/>
-              <a:pathLst>
-                <a:path w="594529" h="0">
-                  <a:moveTo>
-                    <a:pt x="0" y="0"/>
-                  </a:moveTo>
-                  <a:lnTo>
-                    <a:pt x="594529" y="0"/>
+              <a:off x="5562378" y="6433753"/>
+              <a:ext cx="574861" cy="0"/>
+            </a:xfrm>
+            <a:custGeom>
+              <a:avLst/>
+              <a:pathLst>
+                <a:path w="574861" h="0">
+                  <a:moveTo>
+                    <a:pt x="0" y="0"/>
+                  </a:moveTo>
+                  <a:lnTo>
+                    <a:pt x="574861" y="0"/>
                   </a:lnTo>
                 </a:path>
               </a:pathLst>
@@ -3484,18 +3484,18 @@
           </p:nvSpPr>
           <p:spPr>
             <a:xfrm>
-              <a:off x="7789050" y="1865054"/>
-              <a:ext cx="594529" cy="0"/>
-            </a:xfrm>
-            <a:custGeom>
-              <a:avLst/>
-              <a:pathLst>
-                <a:path w="594529" h="0">
-                  <a:moveTo>
-                    <a:pt x="0" y="0"/>
-                  </a:moveTo>
-                  <a:lnTo>
-                    <a:pt x="594529" y="0"/>
+              <a:off x="7861824" y="2051581"/>
+              <a:ext cx="574861" cy="0"/>
+            </a:xfrm>
+            <a:custGeom>
+              <a:avLst/>
+              <a:pathLst>
+                <a:path w="574861" h="0">
+                  <a:moveTo>
+                    <a:pt x="0" y="0"/>
+                  </a:moveTo>
+                  <a:lnTo>
+                    <a:pt x="574861" y="0"/>
                   </a:lnTo>
                 </a:path>
               </a:pathLst>
@@ -3524,18 +3524,18 @@
           </p:nvSpPr>
           <p:spPr>
             <a:xfrm>
-              <a:off x="8086315" y="1865054"/>
-              <a:ext cx="0" cy="4761751"/>
-            </a:xfrm>
-            <a:custGeom>
-              <a:avLst/>
-              <a:pathLst>
-                <a:path w="0" h="4761751">
-                  <a:moveTo>
-                    <a:pt x="0" y="0"/>
-                  </a:moveTo>
-                  <a:lnTo>
-                    <a:pt x="0" y="4761751"/>
+              <a:off x="8149254" y="2051581"/>
+              <a:ext cx="0" cy="4416401"/>
+            </a:xfrm>
+            <a:custGeom>
+              <a:avLst/>
+              <a:pathLst>
+                <a:path w="0" h="4416401">
+                  <a:moveTo>
+                    <a:pt x="0" y="0"/>
+                  </a:moveTo>
+                  <a:lnTo>
+                    <a:pt x="0" y="4416401"/>
                   </a:lnTo>
                 </a:path>
               </a:pathLst>
@@ -3564,18 +3564,18 @@
           </p:nvSpPr>
           <p:spPr>
             <a:xfrm>
-              <a:off x="7789050" y="6626805"/>
-              <a:ext cx="594529" cy="0"/>
-            </a:xfrm>
-            <a:custGeom>
-              <a:avLst/>
-              <a:pathLst>
-                <a:path w="594529" h="0">
-                  <a:moveTo>
-                    <a:pt x="0" y="0"/>
-                  </a:moveTo>
-                  <a:lnTo>
-                    <a:pt x="594529" y="0"/>
+              <a:off x="7861824" y="6467982"/>
+              <a:ext cx="574861" cy="0"/>
+            </a:xfrm>
+            <a:custGeom>
+              <a:avLst/>
+              <a:pathLst>
+                <a:path w="574861" h="0">
+                  <a:moveTo>
+                    <a:pt x="0" y="0"/>
+                  </a:moveTo>
+                  <a:lnTo>
+                    <a:pt x="574861" y="0"/>
                   </a:lnTo>
                 </a:path>
               </a:pathLst>
@@ -3604,15 +3604,15 @@
           </p:nvSpPr>
           <p:spPr>
             <a:xfrm>
-              <a:off x="2141016" y="2975490"/>
-              <a:ext cx="0" cy="52088"/>
-            </a:xfrm>
-            <a:custGeom>
-              <a:avLst/>
-              <a:pathLst>
-                <a:path w="0" h="52088">
-                  <a:moveTo>
-                    <a:pt x="0" y="52088"/>
+              <a:off x="2400641" y="3081482"/>
+              <a:ext cx="0" cy="48310"/>
+            </a:xfrm>
+            <a:custGeom>
+              <a:avLst/>
+              <a:pathLst>
+                <a:path w="0" h="48310">
+                  <a:moveTo>
+                    <a:pt x="0" y="48310"/>
                   </a:moveTo>
                   <a:lnTo>
                     <a:pt x="0" y="0"/>
@@ -3644,18 +3644,18 @@
           </p:nvSpPr>
           <p:spPr>
             <a:xfrm>
-              <a:off x="2141016" y="6262654"/>
-              <a:ext cx="0" cy="388909"/>
-            </a:xfrm>
-            <a:custGeom>
-              <a:avLst/>
-              <a:pathLst>
-                <a:path w="0" h="388909">
-                  <a:moveTo>
-                    <a:pt x="0" y="0"/>
-                  </a:moveTo>
-                  <a:lnTo>
-                    <a:pt x="0" y="388909"/>
+              <a:off x="2400641" y="6130242"/>
+              <a:ext cx="0" cy="360703"/>
+            </a:xfrm>
+            <a:custGeom>
+              <a:avLst/>
+              <a:pathLst>
+                <a:path w="0" h="360703">
+                  <a:moveTo>
+                    <a:pt x="0" y="0"/>
+                  </a:moveTo>
+                  <a:lnTo>
+                    <a:pt x="0" y="360703"/>
                   </a:lnTo>
                 </a:path>
               </a:pathLst>
@@ -3684,24 +3684,24 @@
           </p:nvSpPr>
           <p:spPr>
             <a:xfrm>
-              <a:off x="1695118" y="3027579"/>
-              <a:ext cx="891794" cy="3235075"/>
-            </a:xfrm>
-            <a:custGeom>
-              <a:avLst/>
-              <a:pathLst>
-                <a:path w="891794" h="3235075">
-                  <a:moveTo>
-                    <a:pt x="0" y="0"/>
-                  </a:moveTo>
-                  <a:lnTo>
-                    <a:pt x="0" y="3235075"/>
-                  </a:lnTo>
-                  <a:lnTo>
-                    <a:pt x="891794" y="3235075"/>
-                  </a:lnTo>
-                  <a:lnTo>
-                    <a:pt x="891794" y="0"/>
+              <a:off x="1969495" y="3129793"/>
+              <a:ext cx="862291" cy="3000449"/>
+            </a:xfrm>
+            <a:custGeom>
+              <a:avLst/>
+              <a:pathLst>
+                <a:path w="862291" h="3000449">
+                  <a:moveTo>
+                    <a:pt x="0" y="0"/>
+                  </a:moveTo>
+                  <a:lnTo>
+                    <a:pt x="0" y="3000449"/>
+                  </a:lnTo>
+                  <a:lnTo>
+                    <a:pt x="862291" y="3000449"/>
+                  </a:lnTo>
+                  <a:lnTo>
+                    <a:pt x="862291" y="0"/>
                   </a:lnTo>
                   <a:close/>
                 </a:path>
@@ -3736,18 +3736,18 @@
           </p:nvSpPr>
           <p:spPr>
             <a:xfrm>
-              <a:off x="1695118" y="4280265"/>
-              <a:ext cx="891794" cy="0"/>
-            </a:xfrm>
-            <a:custGeom>
-              <a:avLst/>
-              <a:pathLst>
-                <a:path w="891794" h="0">
-                  <a:moveTo>
-                    <a:pt x="0" y="0"/>
-                  </a:moveTo>
-                  <a:lnTo>
-                    <a:pt x="891794" y="0"/>
+              <a:off x="1969495" y="4291627"/>
+              <a:ext cx="862291" cy="0"/>
+            </a:xfrm>
+            <a:custGeom>
+              <a:avLst/>
+              <a:pathLst>
+                <a:path w="862291" h="0">
+                  <a:moveTo>
+                    <a:pt x="0" y="0"/>
+                  </a:moveTo>
+                  <a:lnTo>
+                    <a:pt x="862291" y="0"/>
                   </a:lnTo>
                 </a:path>
               </a:pathLst>
@@ -3776,15 +3776,15 @@
           </p:nvSpPr>
           <p:spPr>
             <a:xfrm>
-              <a:off x="3330076" y="3375379"/>
-              <a:ext cx="0" cy="411099"/>
-            </a:xfrm>
-            <a:custGeom>
-              <a:avLst/>
-              <a:pathLst>
-                <a:path w="0" h="411099">
-                  <a:moveTo>
-                    <a:pt x="0" y="411099"/>
+              <a:off x="3550364" y="3452368"/>
+              <a:ext cx="0" cy="381284"/>
+            </a:xfrm>
+            <a:custGeom>
+              <a:avLst/>
+              <a:pathLst>
+                <a:path w="0" h="381284">
+                  <a:moveTo>
+                    <a:pt x="0" y="381284"/>
                   </a:moveTo>
                   <a:lnTo>
                     <a:pt x="0" y="0"/>
@@ -3816,18 +3816,18 @@
           </p:nvSpPr>
           <p:spPr>
             <a:xfrm>
-              <a:off x="3330076" y="4480209"/>
-              <a:ext cx="0" cy="926843"/>
-            </a:xfrm>
-            <a:custGeom>
-              <a:avLst/>
-              <a:pathLst>
-                <a:path w="0" h="926843">
-                  <a:moveTo>
-                    <a:pt x="0" y="0"/>
-                  </a:moveTo>
-                  <a:lnTo>
-                    <a:pt x="0" y="926843"/>
+              <a:off x="3550364" y="4477070"/>
+              <a:ext cx="0" cy="859623"/>
+            </a:xfrm>
+            <a:custGeom>
+              <a:avLst/>
+              <a:pathLst>
+                <a:path w="0" h="859623">
+                  <a:moveTo>
+                    <a:pt x="0" y="0"/>
+                  </a:moveTo>
+                  <a:lnTo>
+                    <a:pt x="0" y="859623"/>
                   </a:lnTo>
                 </a:path>
               </a:pathLst>
@@ -3856,24 +3856,24 @@
           </p:nvSpPr>
           <p:spPr>
             <a:xfrm>
-              <a:off x="2884178" y="3786478"/>
-              <a:ext cx="891794" cy="693731"/>
-            </a:xfrm>
-            <a:custGeom>
-              <a:avLst/>
-              <a:pathLst>
-                <a:path w="891794" h="693731">
-                  <a:moveTo>
-                    <a:pt x="0" y="0"/>
-                  </a:moveTo>
-                  <a:lnTo>
-                    <a:pt x="0" y="693731"/>
-                  </a:lnTo>
-                  <a:lnTo>
-                    <a:pt x="891794" y="693731"/>
-                  </a:lnTo>
-                  <a:lnTo>
-                    <a:pt x="891794" y="0"/>
+              <a:off x="3119218" y="3833653"/>
+              <a:ext cx="862291" cy="643417"/>
+            </a:xfrm>
+            <a:custGeom>
+              <a:avLst/>
+              <a:pathLst>
+                <a:path w="862291" h="643417">
+                  <a:moveTo>
+                    <a:pt x="0" y="0"/>
+                  </a:moveTo>
+                  <a:lnTo>
+                    <a:pt x="0" y="643417"/>
+                  </a:lnTo>
+                  <a:lnTo>
+                    <a:pt x="862291" y="643417"/>
+                  </a:lnTo>
+                  <a:lnTo>
+                    <a:pt x="862291" y="0"/>
                   </a:lnTo>
                   <a:close/>
                 </a:path>
@@ -3908,18 +3908,18 @@
           </p:nvSpPr>
           <p:spPr>
             <a:xfrm>
-              <a:off x="2884178" y="3920086"/>
-              <a:ext cx="891794" cy="0"/>
-            </a:xfrm>
-            <a:custGeom>
-              <a:avLst/>
-              <a:pathLst>
-                <a:path w="891794" h="0">
-                  <a:moveTo>
-                    <a:pt x="0" y="0"/>
-                  </a:moveTo>
-                  <a:lnTo>
-                    <a:pt x="891794" y="0"/>
+              <a:off x="3119218" y="3957570"/>
+              <a:ext cx="862291" cy="0"/>
+            </a:xfrm>
+            <a:custGeom>
+              <a:avLst/>
+              <a:pathLst>
+                <a:path w="862291" h="0">
+                  <a:moveTo>
+                    <a:pt x="0" y="0"/>
+                  </a:moveTo>
+                  <a:lnTo>
+                    <a:pt x="862291" y="0"/>
                   </a:lnTo>
                 </a:path>
               </a:pathLst>
@@ -3948,15 +3948,15 @@
           </p:nvSpPr>
           <p:spPr>
             <a:xfrm>
-              <a:off x="4519135" y="1644555"/>
-              <a:ext cx="0" cy="1459404"/>
-            </a:xfrm>
-            <a:custGeom>
-              <a:avLst/>
-              <a:pathLst>
-                <a:path w="0" h="1459404">
-                  <a:moveTo>
-                    <a:pt x="0" y="1459404"/>
+              <a:off x="4700086" y="1847074"/>
+              <a:ext cx="0" cy="1353559"/>
+            </a:xfrm>
+            <a:custGeom>
+              <a:avLst/>
+              <a:pathLst>
+                <a:path w="0" h="1353559">
+                  <a:moveTo>
+                    <a:pt x="0" y="1353559"/>
                   </a:moveTo>
                   <a:lnTo>
                     <a:pt x="0" y="0"/>
@@ -3988,18 +3988,18 @@
           </p:nvSpPr>
           <p:spPr>
             <a:xfrm>
-              <a:off x="4519135" y="6101485"/>
-              <a:ext cx="0" cy="574371"/>
-            </a:xfrm>
-            <a:custGeom>
-              <a:avLst/>
-              <a:pathLst>
-                <a:path w="0" h="574371">
-                  <a:moveTo>
-                    <a:pt x="0" y="0"/>
-                  </a:moveTo>
-                  <a:lnTo>
-                    <a:pt x="0" y="574371"/>
+              <a:off x="4700086" y="5980761"/>
+              <a:ext cx="0" cy="532715"/>
+            </a:xfrm>
+            <a:custGeom>
+              <a:avLst/>
+              <a:pathLst>
+                <a:path w="0" h="532715">
+                  <a:moveTo>
+                    <a:pt x="0" y="0"/>
+                  </a:moveTo>
+                  <a:lnTo>
+                    <a:pt x="0" y="532715"/>
                   </a:lnTo>
                 </a:path>
               </a:pathLst>
@@ -4028,24 +4028,24 @@
           </p:nvSpPr>
           <p:spPr>
             <a:xfrm>
-              <a:off x="4073238" y="3103959"/>
-              <a:ext cx="891794" cy="2997525"/>
-            </a:xfrm>
-            <a:custGeom>
-              <a:avLst/>
-              <a:pathLst>
-                <a:path w="891794" h="2997525">
-                  <a:moveTo>
-                    <a:pt x="0" y="0"/>
-                  </a:moveTo>
-                  <a:lnTo>
-                    <a:pt x="0" y="2997525"/>
-                  </a:lnTo>
-                  <a:lnTo>
-                    <a:pt x="891794" y="2997525"/>
-                  </a:lnTo>
-                  <a:lnTo>
-                    <a:pt x="891794" y="0"/>
+              <a:off x="4268940" y="3200634"/>
+              <a:ext cx="862291" cy="2780127"/>
+            </a:xfrm>
+            <a:custGeom>
+              <a:avLst/>
+              <a:pathLst>
+                <a:path w="862291" h="2780127">
+                  <a:moveTo>
+                    <a:pt x="0" y="0"/>
+                  </a:moveTo>
+                  <a:lnTo>
+                    <a:pt x="0" y="2780127"/>
+                  </a:lnTo>
+                  <a:lnTo>
+                    <a:pt x="862291" y="2780127"/>
+                  </a:lnTo>
+                  <a:lnTo>
+                    <a:pt x="862291" y="0"/>
                   </a:lnTo>
                   <a:close/>
                 </a:path>
@@ -4080,18 +4080,18 @@
           </p:nvSpPr>
           <p:spPr>
             <a:xfrm>
-              <a:off x="4073238" y="5673333"/>
-              <a:ext cx="891794" cy="0"/>
-            </a:xfrm>
-            <a:custGeom>
-              <a:avLst/>
-              <a:pathLst>
-                <a:path w="891794" h="0">
-                  <a:moveTo>
-                    <a:pt x="0" y="0"/>
-                  </a:moveTo>
-                  <a:lnTo>
-                    <a:pt x="891794" y="0"/>
+              <a:off x="4268940" y="5583662"/>
+              <a:ext cx="862291" cy="0"/>
+            </a:xfrm>
+            <a:custGeom>
+              <a:avLst/>
+              <a:pathLst>
+                <a:path w="862291" h="0">
+                  <a:moveTo>
+                    <a:pt x="0" y="0"/>
+                  </a:moveTo>
+                  <a:lnTo>
+                    <a:pt x="862291" y="0"/>
                   </a:lnTo>
                 </a:path>
               </a:pathLst>
@@ -4120,15 +4120,15 @@
           </p:nvSpPr>
           <p:spPr>
             <a:xfrm>
-              <a:off x="5708195" y="5238876"/>
-              <a:ext cx="0" cy="239652"/>
-            </a:xfrm>
-            <a:custGeom>
-              <a:avLst/>
-              <a:pathLst>
-                <a:path w="0" h="239652">
-                  <a:moveTo>
-                    <a:pt x="0" y="239652"/>
+              <a:off x="5849809" y="5180714"/>
+              <a:ext cx="0" cy="222271"/>
+            </a:xfrm>
+            <a:custGeom>
+              <a:avLst/>
+              <a:pathLst>
+                <a:path w="0" h="222271">
+                  <a:moveTo>
+                    <a:pt x="0" y="222271"/>
                   </a:moveTo>
                   <a:lnTo>
                     <a:pt x="0" y="0"/>
@@ -4160,18 +4160,18 @@
           </p:nvSpPr>
           <p:spPr>
             <a:xfrm>
-              <a:off x="5708195" y="5970446"/>
-              <a:ext cx="0" cy="619452"/>
-            </a:xfrm>
-            <a:custGeom>
-              <a:avLst/>
-              <a:pathLst>
-                <a:path w="0" h="619452">
-                  <a:moveTo>
-                    <a:pt x="0" y="0"/>
-                  </a:moveTo>
-                  <a:lnTo>
-                    <a:pt x="0" y="619452"/>
+              <a:off x="5849809" y="5859227"/>
+              <a:ext cx="0" cy="574526"/>
+            </a:xfrm>
+            <a:custGeom>
+              <a:avLst/>
+              <a:pathLst>
+                <a:path w="0" h="574526">
+                  <a:moveTo>
+                    <a:pt x="0" y="0"/>
+                  </a:moveTo>
+                  <a:lnTo>
+                    <a:pt x="0" y="574526"/>
                   </a:lnTo>
                 </a:path>
               </a:pathLst>
@@ -4200,24 +4200,24 @@
           </p:nvSpPr>
           <p:spPr>
             <a:xfrm>
-              <a:off x="5262298" y="5478528"/>
-              <a:ext cx="891794" cy="491918"/>
-            </a:xfrm>
-            <a:custGeom>
-              <a:avLst/>
-              <a:pathLst>
-                <a:path w="891794" h="491918">
-                  <a:moveTo>
-                    <a:pt x="0" y="0"/>
-                  </a:moveTo>
-                  <a:lnTo>
-                    <a:pt x="0" y="491918"/>
-                  </a:lnTo>
-                  <a:lnTo>
-                    <a:pt x="891794" y="491918"/>
-                  </a:lnTo>
-                  <a:lnTo>
-                    <a:pt x="891794" y="0"/>
+              <a:off x="5418663" y="5402985"/>
+              <a:ext cx="862291" cy="456241"/>
+            </a:xfrm>
+            <a:custGeom>
+              <a:avLst/>
+              <a:pathLst>
+                <a:path w="862291" h="456241">
+                  <a:moveTo>
+                    <a:pt x="0" y="0"/>
+                  </a:moveTo>
+                  <a:lnTo>
+                    <a:pt x="0" y="456241"/>
+                  </a:lnTo>
+                  <a:lnTo>
+                    <a:pt x="862291" y="456241"/>
+                  </a:lnTo>
+                  <a:lnTo>
+                    <a:pt x="862291" y="0"/>
                   </a:lnTo>
                   <a:close/>
                 </a:path>
@@ -4252,18 +4252,18 @@
           </p:nvSpPr>
           <p:spPr>
             <a:xfrm>
-              <a:off x="5262298" y="5661187"/>
-              <a:ext cx="891794" cy="0"/>
-            </a:xfrm>
-            <a:custGeom>
-              <a:avLst/>
-              <a:pathLst>
-                <a:path w="891794" h="0">
-                  <a:moveTo>
-                    <a:pt x="0" y="0"/>
-                  </a:moveTo>
-                  <a:lnTo>
-                    <a:pt x="891794" y="0"/>
+              <a:off x="5418663" y="5572397"/>
+              <a:ext cx="862291" cy="0"/>
+            </a:xfrm>
+            <a:custGeom>
+              <a:avLst/>
+              <a:pathLst>
+                <a:path w="862291" h="0">
+                  <a:moveTo>
+                    <a:pt x="0" y="0"/>
+                  </a:moveTo>
+                  <a:lnTo>
+                    <a:pt x="862291" y="0"/>
                   </a:lnTo>
                 </a:path>
               </a:pathLst>
@@ -4292,15 +4292,15 @@
           </p:nvSpPr>
           <p:spPr>
             <a:xfrm>
-              <a:off x="8086315" y="1865054"/>
-              <a:ext cx="0" cy="167476"/>
-            </a:xfrm>
-            <a:custGeom>
-              <a:avLst/>
-              <a:pathLst>
-                <a:path w="0" h="167476">
-                  <a:moveTo>
-                    <a:pt x="0" y="167476"/>
+              <a:off x="8149254" y="2051581"/>
+              <a:ext cx="0" cy="155330"/>
+            </a:xfrm>
+            <a:custGeom>
+              <a:avLst/>
+              <a:pathLst>
+                <a:path w="0" h="155330">
+                  <a:moveTo>
+                    <a:pt x="0" y="155330"/>
                   </a:moveTo>
                   <a:lnTo>
                     <a:pt x="0" y="0"/>
@@ -4332,18 +4332,18 @@
           </p:nvSpPr>
           <p:spPr>
             <a:xfrm>
-              <a:off x="8086315" y="4964887"/>
-              <a:ext cx="0" cy="1661917"/>
-            </a:xfrm>
-            <a:custGeom>
-              <a:avLst/>
-              <a:pathLst>
-                <a:path w="0" h="1661917">
-                  <a:moveTo>
-                    <a:pt x="0" y="0"/>
-                  </a:moveTo>
-                  <a:lnTo>
-                    <a:pt x="0" y="1661917"/>
+              <a:off x="8149254" y="4926596"/>
+              <a:ext cx="0" cy="1541385"/>
+            </a:xfrm>
+            <a:custGeom>
+              <a:avLst/>
+              <a:pathLst>
+                <a:path w="0" h="1541385">
+                  <a:moveTo>
+                    <a:pt x="0" y="0"/>
+                  </a:moveTo>
+                  <a:lnTo>
+                    <a:pt x="0" y="1541385"/>
                   </a:lnTo>
                 </a:path>
               </a:pathLst>
@@ -4372,24 +4372,24 @@
           </p:nvSpPr>
           <p:spPr>
             <a:xfrm>
-              <a:off x="7640417" y="2032530"/>
-              <a:ext cx="891794" cy="2932356"/>
-            </a:xfrm>
-            <a:custGeom>
-              <a:avLst/>
-              <a:pathLst>
-                <a:path w="891794" h="2932356">
-                  <a:moveTo>
-                    <a:pt x="0" y="0"/>
-                  </a:moveTo>
-                  <a:lnTo>
-                    <a:pt x="0" y="2932356"/>
-                  </a:lnTo>
-                  <a:lnTo>
-                    <a:pt x="891794" y="2932356"/>
-                  </a:lnTo>
-                  <a:lnTo>
-                    <a:pt x="891794" y="0"/>
+              <a:off x="7718108" y="2206911"/>
+              <a:ext cx="862291" cy="2719685"/>
+            </a:xfrm>
+            <a:custGeom>
+              <a:avLst/>
+              <a:pathLst>
+                <a:path w="862291" h="2719685">
+                  <a:moveTo>
+                    <a:pt x="0" y="0"/>
+                  </a:moveTo>
+                  <a:lnTo>
+                    <a:pt x="0" y="2719685"/>
+                  </a:lnTo>
+                  <a:lnTo>
+                    <a:pt x="862291" y="2719685"/>
+                  </a:lnTo>
+                  <a:lnTo>
+                    <a:pt x="862291" y="0"/>
                   </a:lnTo>
                   <a:close/>
                 </a:path>
@@ -4424,18 +4424,18 @@
           </p:nvSpPr>
           <p:spPr>
             <a:xfrm>
-              <a:off x="7640417" y="3056309"/>
-              <a:ext cx="891794" cy="0"/>
-            </a:xfrm>
-            <a:custGeom>
-              <a:avLst/>
-              <a:pathLst>
-                <a:path w="891794" h="0">
-                  <a:moveTo>
-                    <a:pt x="0" y="0"/>
-                  </a:moveTo>
-                  <a:lnTo>
-                    <a:pt x="891794" y="0"/>
+              <a:off x="7718108" y="3156439"/>
+              <a:ext cx="862291" cy="0"/>
+            </a:xfrm>
+            <a:custGeom>
+              <a:avLst/>
+              <a:pathLst>
+                <a:path w="862291" h="0">
+                  <a:moveTo>
+                    <a:pt x="0" y="0"/>
+                  </a:moveTo>
+                  <a:lnTo>
+                    <a:pt x="862291" y="0"/>
                   </a:lnTo>
                 </a:path>
               </a:pathLst>
@@ -4464,8 +4464,8 @@
           </p:nvSpPr>
           <p:spPr>
             <a:xfrm>
-              <a:off x="1427580" y="1392990"/>
-              <a:ext cx="8561230" cy="5534432"/>
+              <a:off x="1710807" y="1613754"/>
+              <a:ext cx="8278003" cy="5133042"/>
             </a:xfrm>
             <a:prstGeom prst="rect">
               <a:avLst/>
@@ -4494,8 +4494,8 @@
           </p:nvSpPr>
           <p:spPr>
             <a:xfrm>
-              <a:off x="1197310" y="5721790"/>
-              <a:ext cx="167640" cy="76835"/>
+              <a:off x="1343377" y="5593122"/>
+              <a:ext cx="304800" cy="139700"/>
             </a:xfrm>
             <a:prstGeom prst="rect">
               <a:avLst/>
@@ -4508,7 +4508,7 @@
             <a:p>
               <a:pPr algn="l" marL="0" marR="0" indent="0">
                 <a:lnSpc>
-                  <a:spcPts val="880"/>
+                  <a:spcPts val="1600"/>
                 </a:lnSpc>
                 <a:spcBef>
                   <a:spcPts val="0"/>
@@ -4518,7 +4518,7 @@
                 </a:spcAft>
               </a:pPr>
               <a:r>
-                <a:rPr sz="880">
+                <a:rPr sz="1600">
                   <a:solidFill>
                     <a:srgbClr val="4D4D4D">
                       <a:alpha val="100000"/>
@@ -4540,8 +4540,8 @@
           </p:nvSpPr>
           <p:spPr>
             <a:xfrm>
-              <a:off x="1197310" y="4320313"/>
-              <a:ext cx="167640" cy="76835"/>
+              <a:off x="1343377" y="4293288"/>
+              <a:ext cx="304800" cy="139700"/>
             </a:xfrm>
             <a:prstGeom prst="rect">
               <a:avLst/>
@@ -4554,7 +4554,7 @@
             <a:p>
               <a:pPr algn="l" marL="0" marR="0" indent="0">
                 <a:lnSpc>
-                  <a:spcPts val="880"/>
+                  <a:spcPts val="1600"/>
                 </a:lnSpc>
                 <a:spcBef>
                   <a:spcPts val="0"/>
@@ -4564,7 +4564,7 @@
                 </a:spcAft>
               </a:pPr>
               <a:r>
-                <a:rPr sz="880">
+                <a:rPr sz="1600">
                   <a:solidFill>
                     <a:srgbClr val="4D4D4D">
                       <a:alpha val="100000"/>
@@ -4586,8 +4586,8 @@
           </p:nvSpPr>
           <p:spPr>
             <a:xfrm>
-              <a:off x="1197310" y="2918618"/>
-              <a:ext cx="167640" cy="77053"/>
+              <a:off x="1343377" y="2993058"/>
+              <a:ext cx="304800" cy="140096"/>
             </a:xfrm>
             <a:prstGeom prst="rect">
               <a:avLst/>
@@ -4600,7 +4600,7 @@
             <a:p>
               <a:pPr algn="l" marL="0" marR="0" indent="0">
                 <a:lnSpc>
-                  <a:spcPts val="880"/>
+                  <a:spcPts val="1600"/>
                 </a:lnSpc>
                 <a:spcBef>
                   <a:spcPts val="0"/>
@@ -4610,7 +4610,7 @@
                 </a:spcAft>
               </a:pPr>
               <a:r>
-                <a:rPr sz="880">
+                <a:rPr sz="1600">
                   <a:solidFill>
                     <a:srgbClr val="4D4D4D">
                       <a:alpha val="100000"/>
@@ -4632,8 +4632,8 @@
           </p:nvSpPr>
           <p:spPr>
             <a:xfrm>
-              <a:off x="1141430" y="1517360"/>
-              <a:ext cx="223520" cy="76835"/>
+              <a:off x="1241777" y="1693621"/>
+              <a:ext cx="406400" cy="139700"/>
             </a:xfrm>
             <a:prstGeom prst="rect">
               <a:avLst/>
@@ -4646,7 +4646,7 @@
             <a:p>
               <a:pPr algn="l" marL="0" marR="0" indent="0">
                 <a:lnSpc>
-                  <a:spcPts val="880"/>
+                  <a:spcPts val="1600"/>
                 </a:lnSpc>
                 <a:spcBef>
                   <a:spcPts val="0"/>
@@ -4656,7 +4656,7 @@
                 </a:spcAft>
               </a:pPr>
               <a:r>
-                <a:rPr sz="880">
+                <a:rPr sz="1600">
                   <a:solidFill>
                     <a:srgbClr val="4D4D4D">
                       <a:alpha val="100000"/>
@@ -4678,7 +4678,7 @@
           </p:nvSpPr>
           <p:spPr>
             <a:xfrm>
-              <a:off x="1392785" y="5761626"/>
+              <a:off x="1676013" y="5665551"/>
               <a:ext cx="34794" cy="0"/>
             </a:xfrm>
             <a:custGeom>
@@ -4718,7 +4718,7 @@
           </p:nvSpPr>
           <p:spPr>
             <a:xfrm>
-              <a:off x="1392785" y="4360150"/>
+              <a:off x="1676013" y="4365718"/>
               <a:ext cx="34794" cy="0"/>
             </a:xfrm>
             <a:custGeom>
@@ -4758,7 +4758,7 @@
           </p:nvSpPr>
           <p:spPr>
             <a:xfrm>
-              <a:off x="1392785" y="2958673"/>
+              <a:off x="1676013" y="3065884"/>
               <a:ext cx="34794" cy="0"/>
             </a:xfrm>
             <a:custGeom>
@@ -4798,7 +4798,7 @@
           </p:nvSpPr>
           <p:spPr>
             <a:xfrm>
-              <a:off x="1392785" y="1557196"/>
+              <a:off x="1676013" y="1766051"/>
               <a:ext cx="34794" cy="0"/>
             </a:xfrm>
             <a:custGeom>
@@ -4838,7 +4838,7 @@
           </p:nvSpPr>
           <p:spPr>
             <a:xfrm>
-              <a:off x="2141016" y="6927422"/>
+              <a:off x="2400641" y="6746796"/>
               <a:ext cx="0" cy="34794"/>
             </a:xfrm>
             <a:custGeom>
@@ -4878,7 +4878,7 @@
           </p:nvSpPr>
           <p:spPr>
             <a:xfrm>
-              <a:off x="3330076" y="6927422"/>
+              <a:off x="3550364" y="6746796"/>
               <a:ext cx="0" cy="34794"/>
             </a:xfrm>
             <a:custGeom>
@@ -4918,7 +4918,7 @@
           </p:nvSpPr>
           <p:spPr>
             <a:xfrm>
-              <a:off x="4519135" y="6927422"/>
+              <a:off x="4700086" y="6746796"/>
               <a:ext cx="0" cy="34794"/>
             </a:xfrm>
             <a:custGeom>
@@ -4958,7 +4958,7 @@
           </p:nvSpPr>
           <p:spPr>
             <a:xfrm>
-              <a:off x="5708195" y="6927422"/>
+              <a:off x="5849809" y="6746796"/>
               <a:ext cx="0" cy="34794"/>
             </a:xfrm>
             <a:custGeom>
@@ -4998,7 +4998,7 @@
           </p:nvSpPr>
           <p:spPr>
             <a:xfrm>
-              <a:off x="6897255" y="6927422"/>
+              <a:off x="6999532" y="6746796"/>
               <a:ext cx="0" cy="34794"/>
             </a:xfrm>
             <a:custGeom>
@@ -5038,7 +5038,7 @@
           </p:nvSpPr>
           <p:spPr>
             <a:xfrm>
-              <a:off x="8086315" y="6927422"/>
+              <a:off x="8149254" y="6746796"/>
               <a:ext cx="0" cy="34794"/>
             </a:xfrm>
             <a:custGeom>
@@ -5078,7 +5078,7 @@
           </p:nvSpPr>
           <p:spPr>
             <a:xfrm>
-              <a:off x="9275375" y="6927422"/>
+              <a:off x="9298977" y="6746796"/>
               <a:ext cx="0" cy="34794"/>
             </a:xfrm>
             <a:custGeom>
@@ -5118,8 +5118,8 @@
           </p:nvSpPr>
           <p:spPr>
             <a:xfrm>
-              <a:off x="1923799" y="6984922"/>
-              <a:ext cx="434434" cy="79126"/>
+              <a:off x="2005701" y="6800100"/>
+              <a:ext cx="789880" cy="143867"/>
             </a:xfrm>
             <a:prstGeom prst="rect">
               <a:avLst/>
@@ -5132,7 +5132,7 @@
             <a:p>
               <a:pPr algn="l" marL="0" marR="0" indent="0">
                 <a:lnSpc>
-                  <a:spcPts val="880"/>
+                  <a:spcPts val="1600"/>
                 </a:lnSpc>
                 <a:spcBef>
                   <a:spcPts val="0"/>
@@ -5142,7 +5142,7 @@
                 </a:spcAft>
               </a:pPr>
               <a:r>
-                <a:rPr sz="880">
+                <a:rPr sz="1600">
                   <a:solidFill>
                     <a:srgbClr val="4D4D4D">
                       <a:alpha val="100000"/>
@@ -5164,8 +5164,8 @@
           </p:nvSpPr>
           <p:spPr>
             <a:xfrm>
-              <a:off x="3146965" y="6984922"/>
-              <a:ext cx="366221" cy="79126"/>
+              <a:off x="3217435" y="6800100"/>
+              <a:ext cx="665857" cy="143867"/>
             </a:xfrm>
             <a:prstGeom prst="rect">
               <a:avLst/>
@@ -5178,7 +5178,7 @@
             <a:p>
               <a:pPr algn="l" marL="0" marR="0" indent="0">
                 <a:lnSpc>
-                  <a:spcPts val="880"/>
+                  <a:spcPts val="1600"/>
                 </a:lnSpc>
                 <a:spcBef>
                   <a:spcPts val="0"/>
@@ -5188,7 +5188,7 @@
                 </a:spcAft>
               </a:pPr>
               <a:r>
-                <a:rPr sz="880">
+                <a:rPr sz="1600">
                   <a:solidFill>
                     <a:srgbClr val="4D4D4D">
                       <a:alpha val="100000"/>
@@ -5210,8 +5210,8 @@
           </p:nvSpPr>
           <p:spPr>
             <a:xfrm>
-              <a:off x="4227430" y="6984922"/>
-              <a:ext cx="583411" cy="79126"/>
+              <a:off x="4169712" y="6800100"/>
+              <a:ext cx="1060747" cy="143867"/>
             </a:xfrm>
             <a:prstGeom prst="rect">
               <a:avLst/>
@@ -5224,7 +5224,7 @@
             <a:p>
               <a:pPr algn="l" marL="0" marR="0" indent="0">
                 <a:lnSpc>
-                  <a:spcPts val="880"/>
+                  <a:spcPts val="1600"/>
                 </a:lnSpc>
                 <a:spcBef>
                   <a:spcPts val="0"/>
@@ -5234,7 +5234,7 @@
                 </a:spcAft>
               </a:pPr>
               <a:r>
-                <a:rPr sz="880">
+                <a:rPr sz="1600">
                   <a:solidFill>
                     <a:srgbClr val="4D4D4D">
                       <a:alpha val="100000"/>
@@ -5256,8 +5256,8 @@
           </p:nvSpPr>
           <p:spPr>
             <a:xfrm>
-              <a:off x="5518918" y="6985413"/>
-              <a:ext cx="378554" cy="78635"/>
+              <a:off x="5505669" y="6800993"/>
+              <a:ext cx="688280" cy="142974"/>
             </a:xfrm>
             <a:prstGeom prst="rect">
               <a:avLst/>
@@ -5270,7 +5270,7 @@
             <a:p>
               <a:pPr algn="l" marL="0" marR="0" indent="0">
                 <a:lnSpc>
-                  <a:spcPts val="880"/>
+                  <a:spcPts val="1600"/>
                 </a:lnSpc>
                 <a:spcBef>
                   <a:spcPts val="0"/>
@@ -5280,7 +5280,7 @@
                 </a:spcAft>
               </a:pPr>
               <a:r>
-                <a:rPr sz="880">
+                <a:rPr sz="1600">
                   <a:solidFill>
                     <a:srgbClr val="4D4D4D">
                       <a:alpha val="100000"/>
@@ -5302,8 +5302,8 @@
           </p:nvSpPr>
           <p:spPr>
             <a:xfrm>
-              <a:off x="6624076" y="6962330"/>
-              <a:ext cx="546357" cy="101719"/>
+              <a:off x="6502842" y="6759023"/>
+              <a:ext cx="993378" cy="184943"/>
             </a:xfrm>
             <a:prstGeom prst="rect">
               <a:avLst/>
@@ -5316,7 +5316,7 @@
             <a:p>
               <a:pPr algn="l" marL="0" marR="0" indent="0">
                 <a:lnSpc>
-                  <a:spcPts val="880"/>
+                  <a:spcPts val="1600"/>
                 </a:lnSpc>
                 <a:spcBef>
                   <a:spcPts val="0"/>
@@ -5326,7 +5326,7 @@
                 </a:spcAft>
               </a:pPr>
               <a:r>
-                <a:rPr sz="880">
+                <a:rPr sz="1600">
                   <a:solidFill>
                     <a:srgbClr val="4D4D4D">
                       <a:alpha val="100000"/>
@@ -5348,8 +5348,8 @@
           </p:nvSpPr>
           <p:spPr>
             <a:xfrm>
-              <a:off x="7766615" y="6962548"/>
-              <a:ext cx="639400" cy="101500"/>
+              <a:off x="7567981" y="6759420"/>
+              <a:ext cx="1162546" cy="184546"/>
             </a:xfrm>
             <a:prstGeom prst="rect">
               <a:avLst/>
@@ -5362,7 +5362,7 @@
             <a:p>
               <a:pPr algn="l" marL="0" marR="0" indent="0">
                 <a:lnSpc>
-                  <a:spcPts val="880"/>
+                  <a:spcPts val="1600"/>
                 </a:lnSpc>
                 <a:spcBef>
                   <a:spcPts val="0"/>
@@ -5372,7 +5372,7 @@
                 </a:spcAft>
               </a:pPr>
               <a:r>
-                <a:rPr sz="880">
+                <a:rPr sz="1600">
                   <a:solidFill>
                     <a:srgbClr val="4D4D4D">
                       <a:alpha val="100000"/>
@@ -5394,8 +5394,8 @@
           </p:nvSpPr>
           <p:spPr>
             <a:xfrm>
-              <a:off x="8989808" y="6962330"/>
-              <a:ext cx="571132" cy="101719"/>
+              <a:off x="8779765" y="6759023"/>
+              <a:ext cx="1038423" cy="184943"/>
             </a:xfrm>
             <a:prstGeom prst="rect">
               <a:avLst/>
@@ -5408,7 +5408,7 @@
             <a:p>
               <a:pPr algn="l" marL="0" marR="0" indent="0">
                 <a:lnSpc>
-                  <a:spcPts val="880"/>
+                  <a:spcPts val="1600"/>
                 </a:lnSpc>
                 <a:spcBef>
                   <a:spcPts val="0"/>
@@ -5418,7 +5418,7 @@
                 </a:spcAft>
               </a:pPr>
               <a:r>
-                <a:rPr sz="880">
+                <a:rPr sz="1600">
                   <a:solidFill>
                     <a:srgbClr val="4D4D4D">
                       <a:alpha val="100000"/>
@@ -5440,8 +5440,8 @@
           </p:nvSpPr>
           <p:spPr>
             <a:xfrm>
-              <a:off x="5545269" y="7116347"/>
-              <a:ext cx="325852" cy="99113"/>
+              <a:off x="5553579" y="7010586"/>
+              <a:ext cx="592459" cy="180206"/>
             </a:xfrm>
             <a:prstGeom prst="rect">
               <a:avLst/>
@@ -5454,7 +5454,7 @@
             <a:p>
               <a:pPr algn="l" marL="0" marR="0" indent="0">
                 <a:lnSpc>
-                  <a:spcPts val="1100"/>
+                  <a:spcPts val="2000"/>
                 </a:lnSpc>
                 <a:spcBef>
                   <a:spcPts val="0"/>
@@ -5464,7 +5464,7 @@
                 </a:spcAft>
               </a:pPr>
               <a:r>
-                <a:rPr sz="1100">
+                <a:rPr sz="2000">
                   <a:solidFill>
                     <a:srgbClr val="000000">
                       <a:alpha val="100000"/>
@@ -5486,8 +5486,8 @@
           </p:nvSpPr>
           <p:spPr>
             <a:xfrm rot="-5400000">
-              <a:off x="367378" y="4110649"/>
-              <a:ext cx="1319100" cy="99113"/>
+              <a:off x="-137120" y="4090172"/>
+              <a:ext cx="2398365" cy="180206"/>
             </a:xfrm>
             <a:prstGeom prst="rect">
               <a:avLst/>
@@ -5500,7 +5500,7 @@
             <a:p>
               <a:pPr algn="l" marL="0" marR="0" indent="0">
                 <a:lnSpc>
-                  <a:spcPts val="1100"/>
+                  <a:spcPts val="2000"/>
                 </a:lnSpc>
                 <a:spcBef>
                   <a:spcPts val="0"/>
@@ -5510,7 +5510,7 @@
                 </a:spcAft>
               </a:pPr>
               <a:r>
-                <a:rPr sz="1100">
+                <a:rPr sz="2000">
                   <a:solidFill>
                     <a:srgbClr val="000000">
                       <a:alpha val="100000"/>
@@ -5532,8 +5532,8 @@
           </p:nvSpPr>
           <p:spPr>
             <a:xfrm>
-              <a:off x="1427580" y="1166102"/>
-              <a:ext cx="1171692" cy="127148"/>
+              <a:off x="1710807" y="1258167"/>
+              <a:ext cx="2130350" cy="231179"/>
             </a:xfrm>
             <a:prstGeom prst="rect">
               <a:avLst/>
@@ -5546,7 +5546,7 @@
             <a:p>
               <a:pPr algn="l" marL="0" marR="0" indent="0">
                 <a:lnSpc>
-                  <a:spcPts val="1100"/>
+                  <a:spcPts val="2000"/>
                 </a:lnSpc>
                 <a:spcBef>
                   <a:spcPts val="0"/>
@@ -5556,7 +5556,7 @@
                 </a:spcAft>
               </a:pPr>
               <a:r>
-                <a:rPr sz="1100">
+                <a:rPr sz="2000">
                   <a:solidFill>
                     <a:srgbClr val="000000">
                       <a:alpha val="100000"/>
@@ -5578,8 +5578,8 @@
           </p:nvSpPr>
           <p:spPr>
             <a:xfrm>
-              <a:off x="1427580" y="976049"/>
-              <a:ext cx="1648159" cy="118935"/>
+              <a:off x="1710807" y="969552"/>
+              <a:ext cx="2996654" cy="216247"/>
             </a:xfrm>
             <a:prstGeom prst="rect">
               <a:avLst/>
@@ -5592,7 +5592,7 @@
             <a:p>
               <a:pPr algn="l" marL="0" marR="0" indent="0">
                 <a:lnSpc>
-                  <a:spcPts val="1320"/>
+                  <a:spcPts val="2400"/>
                 </a:lnSpc>
                 <a:spcBef>
                   <a:spcPts val="0"/>
@@ -5602,7 +5602,7 @@
                 </a:spcAft>
               </a:pPr>
               <a:r>
-                <a:rPr sz="1320">
+                <a:rPr sz="2400">
                   <a:solidFill>
                     <a:srgbClr val="000000">
                       <a:alpha val="100000"/>
